--- a/The Big Marble.pptx
+++ b/The Big Marble.pptx
@@ -16,6 +16,23 @@
     <p:sldId id="265" r:id="rId10"/>
     <p:sldId id="266" r:id="rId11"/>
     <p:sldId id="267" r:id="rId12"/>
+    <p:sldId id="268" r:id="rId13"/>
+    <p:sldId id="269" r:id="rId14"/>
+    <p:sldId id="270" r:id="rId15"/>
+    <p:sldId id="271" r:id="rId16"/>
+    <p:sldId id="272" r:id="rId17"/>
+    <p:sldId id="273" r:id="rId18"/>
+    <p:sldId id="274" r:id="rId19"/>
+    <p:sldId id="275" r:id="rId20"/>
+    <p:sldId id="276" r:id="rId21"/>
+    <p:sldId id="277" r:id="rId22"/>
+    <p:sldId id="282" r:id="rId23"/>
+    <p:sldId id="283" r:id="rId24"/>
+    <p:sldId id="284" r:id="rId25"/>
+    <p:sldId id="278" r:id="rId26"/>
+    <p:sldId id="279" r:id="rId27"/>
+    <p:sldId id="280" r:id="rId28"/>
+    <p:sldId id="281" r:id="rId29"/>
   </p:sldIdLst>
   <p:sldSz cx="9144000" cy="6858000" type="screen4x3"/>
   <p:notesSz cx="6858000" cy="9144000"/>
@@ -1142,6 +1159,58 @@
         </a:p>
       </dgm:t>
     </dgm:pt>
+    <dgm:pt modelId="{E7F5AF9F-032C-423D-82CF-63C671D32654}">
+      <dgm:prSet phldrT="[Text]">
+        <dgm:style>
+          <a:lnRef idx="3">
+            <a:schemeClr val="lt1"/>
+          </a:lnRef>
+          <a:fillRef idx="1">
+            <a:schemeClr val="accent3"/>
+          </a:fillRef>
+          <a:effectRef idx="1">
+            <a:schemeClr val="accent3"/>
+          </a:effectRef>
+          <a:fontRef idx="minor">
+            <a:schemeClr val="lt1"/>
+          </a:fontRef>
+        </dgm:style>
+      </dgm:prSet>
+      <dgm:spPr/>
+      <dgm:t>
+        <a:bodyPr/>
+        <a:lstStyle/>
+        <a:p>
+          <a:r>
+            <a:rPr lang="en-US" dirty="0" smtClean="0"/>
+            <a:t>Marble in Motion</a:t>
+          </a:r>
+          <a:endParaRPr lang="en-US" dirty="0"/>
+        </a:p>
+      </dgm:t>
+    </dgm:pt>
+    <dgm:pt modelId="{0A428CA5-4118-498A-BD77-BB669CCA7A8D}" type="parTrans" cxnId="{17135860-D901-414A-8A2B-654227651C4C}">
+      <dgm:prSet/>
+      <dgm:spPr/>
+      <dgm:t>
+        <a:bodyPr/>
+        <a:lstStyle/>
+        <a:p>
+          <a:endParaRPr lang="en-US"/>
+        </a:p>
+      </dgm:t>
+    </dgm:pt>
+    <dgm:pt modelId="{53F37781-A186-4364-A1EC-2ACBCF14E3CB}" type="sibTrans" cxnId="{17135860-D901-414A-8A2B-654227651C4C}">
+      <dgm:prSet/>
+      <dgm:spPr/>
+      <dgm:t>
+        <a:bodyPr/>
+        <a:lstStyle/>
+        <a:p>
+          <a:endParaRPr lang="en-US"/>
+        </a:p>
+      </dgm:t>
+    </dgm:pt>
     <dgm:pt modelId="{2A0DC766-5439-486B-95F4-BBEC3413188E}" type="pres">
       <dgm:prSet presAssocID="{287C46E9-15AE-4C56-96CC-594088188440}" presName="Name0" presStyleCnt="0">
         <dgm:presLayoutVars>
@@ -1166,7 +1235,7 @@
       <dgm:spPr/>
     </dgm:pt>
     <dgm:pt modelId="{A7233150-1FEA-4379-BC3E-CF382FB24FBB}" type="pres">
-      <dgm:prSet presAssocID="{C2C22D94-58A8-4677-8BD2-079A78619DEF}" presName="singleCenter" presStyleLbl="node1" presStyleIdx="0" presStyleCnt="5">
+      <dgm:prSet presAssocID="{C2C22D94-58A8-4677-8BD2-079A78619DEF}" presName="singleCenter" presStyleLbl="node1" presStyleIdx="0" presStyleCnt="6">
         <dgm:presLayoutVars>
           <dgm:chMax val="7"/>
           <dgm:chPref val="7"/>
@@ -1182,7 +1251,7 @@
       </dgm:t>
     </dgm:pt>
     <dgm:pt modelId="{45A8C107-9327-4E4F-8DF0-A17A1CA117F0}" type="pres">
-      <dgm:prSet presAssocID="{97111CE1-2B63-4C70-BF91-BF9D532C91A8}" presName="Name56" presStyleLbl="parChTrans1D2" presStyleIdx="0" presStyleCnt="4"/>
+      <dgm:prSet presAssocID="{97111CE1-2B63-4C70-BF91-BF9D532C91A8}" presName="Name56" presStyleLbl="parChTrans1D2" presStyleIdx="0" presStyleCnt="5"/>
       <dgm:spPr/>
       <dgm:t>
         <a:bodyPr/>
@@ -1193,7 +1262,7 @@
       </dgm:t>
     </dgm:pt>
     <dgm:pt modelId="{7677A07E-B194-4C42-89A6-EB8702CC2322}" type="pres">
-      <dgm:prSet presAssocID="{031D7755-D6A6-4CAF-AAF6-EA648CEFE324}" presName="text0" presStyleLbl="node1" presStyleIdx="1" presStyleCnt="5" custRadScaleRad="130858" custRadScaleInc="112318">
+      <dgm:prSet presAssocID="{031D7755-D6A6-4CAF-AAF6-EA648CEFE324}" presName="text0" presStyleLbl="node1" presStyleIdx="1" presStyleCnt="6" custRadScaleRad="130858" custRadScaleInc="112318">
         <dgm:presLayoutVars>
           <dgm:bulletEnabled val="1"/>
         </dgm:presLayoutVars>
@@ -1208,7 +1277,7 @@
       </dgm:t>
     </dgm:pt>
     <dgm:pt modelId="{C5D05336-9A3C-4272-9CB0-07D67CB2F0EA}" type="pres">
-      <dgm:prSet presAssocID="{6922451B-A710-4DC3-9287-80B152A5A54D}" presName="Name56" presStyleLbl="parChTrans1D2" presStyleIdx="1" presStyleCnt="4"/>
+      <dgm:prSet presAssocID="{6922451B-A710-4DC3-9287-80B152A5A54D}" presName="Name56" presStyleLbl="parChTrans1D2" presStyleIdx="1" presStyleCnt="5"/>
       <dgm:spPr/>
       <dgm:t>
         <a:bodyPr/>
@@ -1219,7 +1288,7 @@
       </dgm:t>
     </dgm:pt>
     <dgm:pt modelId="{7A34193B-C47C-43EE-AD9B-6DE30F307392}" type="pres">
-      <dgm:prSet presAssocID="{4382C1A6-CA44-43C2-A969-4B2DD53F3B08}" presName="text0" presStyleLbl="node1" presStyleIdx="2" presStyleCnt="5" custRadScaleRad="129642" custRadScaleInc="86221">
+      <dgm:prSet presAssocID="{4382C1A6-CA44-43C2-A969-4B2DD53F3B08}" presName="text0" presStyleLbl="node1" presStyleIdx="2" presStyleCnt="6" custRadScaleRad="118672" custRadScaleInc="174697">
         <dgm:presLayoutVars>
           <dgm:bulletEnabled val="1"/>
         </dgm:presLayoutVars>
@@ -1234,7 +1303,7 @@
       </dgm:t>
     </dgm:pt>
     <dgm:pt modelId="{9A9302FF-210F-4CC5-8325-8C817972E678}" type="pres">
-      <dgm:prSet presAssocID="{55549E92-8231-4410-891D-8F1769E24529}" presName="Name56" presStyleLbl="parChTrans1D2" presStyleIdx="2" presStyleCnt="4"/>
+      <dgm:prSet presAssocID="{55549E92-8231-4410-891D-8F1769E24529}" presName="Name56" presStyleLbl="parChTrans1D2" presStyleIdx="2" presStyleCnt="5"/>
       <dgm:spPr/>
       <dgm:t>
         <a:bodyPr/>
@@ -1245,7 +1314,26 @@
       </dgm:t>
     </dgm:pt>
     <dgm:pt modelId="{2671C09E-065C-44CD-8E0C-B20D2F8B7A35}" type="pres">
-      <dgm:prSet presAssocID="{3C908CE8-6E2A-4BA4-B71A-416945C731C6}" presName="text0" presStyleLbl="node1" presStyleIdx="3" presStyleCnt="5" custRadScaleRad="101083" custRadScaleInc="-203869">
+      <dgm:prSet presAssocID="{3C908CE8-6E2A-4BA4-B71A-416945C731C6}" presName="text0" presStyleLbl="node1" presStyleIdx="3" presStyleCnt="6" custRadScaleRad="143295" custRadScaleInc="-200309">
+        <dgm:presLayoutVars>
+          <dgm:bulletEnabled val="1"/>
+        </dgm:presLayoutVars>
+      </dgm:prSet>
+      <dgm:spPr/>
+      <dgm:t>
+        <a:bodyPr/>
+        <a:lstStyle/>
+        <a:p>
+          <a:endParaRPr lang="en-US"/>
+        </a:p>
+      </dgm:t>
+    </dgm:pt>
+    <dgm:pt modelId="{56B66012-AA44-4677-B0B3-BF75156F5FDD}" type="pres">
+      <dgm:prSet presAssocID="{0A428CA5-4118-498A-BD77-BB669CCA7A8D}" presName="Name56" presStyleLbl="parChTrans1D2" presStyleIdx="3" presStyleCnt="5"/>
+      <dgm:spPr/>
+    </dgm:pt>
+    <dgm:pt modelId="{2DC9BDCC-D43C-47A2-90E3-DE1A97C41CB4}" type="pres">
+      <dgm:prSet presAssocID="{E7F5AF9F-032C-423D-82CF-63C671D32654}" presName="text0" presStyleLbl="node1" presStyleIdx="4" presStyleCnt="6" custRadScaleRad="137599" custRadScaleInc="-327247">
         <dgm:presLayoutVars>
           <dgm:bulletEnabled val="1"/>
         </dgm:presLayoutVars>
@@ -1260,7 +1348,7 @@
       </dgm:t>
     </dgm:pt>
     <dgm:pt modelId="{53C3E834-75BA-4786-9C81-AA1B3CF323B2}" type="pres">
-      <dgm:prSet presAssocID="{D45AD806-51CE-480F-9C3B-BB8B8E95361A}" presName="Name56" presStyleLbl="parChTrans1D2" presStyleIdx="3" presStyleCnt="4"/>
+      <dgm:prSet presAssocID="{D45AD806-51CE-480F-9C3B-BB8B8E95361A}" presName="Name56" presStyleLbl="parChTrans1D2" presStyleIdx="4" presStyleCnt="5"/>
       <dgm:spPr/>
       <dgm:t>
         <a:bodyPr/>
@@ -1271,7 +1359,7 @@
       </dgm:t>
     </dgm:pt>
     <dgm:pt modelId="{02E9ACCF-485B-4CC8-9B1D-6E5CFEA10E6B}" type="pres">
-      <dgm:prSet presAssocID="{F89AA110-82AF-4B47-A1F7-F9FC0A311593}" presName="text0" presStyleLbl="node1" presStyleIdx="4" presStyleCnt="5">
+      <dgm:prSet presAssocID="{F89AA110-82AF-4B47-A1F7-F9FC0A311593}" presName="text0" presStyleLbl="node1" presStyleIdx="5" presStyleCnt="6">
         <dgm:presLayoutVars>
           <dgm:bulletEnabled val="1"/>
         </dgm:presLayoutVars>
@@ -1290,15 +1378,18 @@
     <dgm:cxn modelId="{2B3DDD9B-2045-495D-81F5-0B6BE13B3C9B}" type="presOf" srcId="{F89AA110-82AF-4B47-A1F7-F9FC0A311593}" destId="{02E9ACCF-485B-4CC8-9B1D-6E5CFEA10E6B}" srcOrd="0" destOrd="0" presId="urn:microsoft.com/office/officeart/2008/layout/RadialCluster"/>
     <dgm:cxn modelId="{CC8459FC-70DB-4E65-9426-9066B5A10759}" type="presOf" srcId="{C2C22D94-58A8-4677-8BD2-079A78619DEF}" destId="{A7233150-1FEA-4379-BC3E-CF382FB24FBB}" srcOrd="0" destOrd="0" presId="urn:microsoft.com/office/officeart/2008/layout/RadialCluster"/>
     <dgm:cxn modelId="{0F79A28B-5043-4F5D-AFFB-0D6D3F589CC5}" srcId="{C2C22D94-58A8-4677-8BD2-079A78619DEF}" destId="{031D7755-D6A6-4CAF-AAF6-EA648CEFE324}" srcOrd="0" destOrd="0" parTransId="{97111CE1-2B63-4C70-BF91-BF9D532C91A8}" sibTransId="{66B43D29-2AD7-4C87-A9AA-B5A432CF0A91}"/>
+    <dgm:cxn modelId="{432861C0-0B9C-4D8C-B4C6-8738FB26603F}" type="presOf" srcId="{0A428CA5-4118-498A-BD77-BB669CCA7A8D}" destId="{56B66012-AA44-4677-B0B3-BF75156F5FDD}" srcOrd="0" destOrd="0" presId="urn:microsoft.com/office/officeart/2008/layout/RadialCluster"/>
     <dgm:cxn modelId="{4E176CF2-CE9D-479A-B3F2-09A43C072D88}" type="presOf" srcId="{3C908CE8-6E2A-4BA4-B71A-416945C731C6}" destId="{2671C09E-065C-44CD-8E0C-B20D2F8B7A35}" srcOrd="0" destOrd="0" presId="urn:microsoft.com/office/officeart/2008/layout/RadialCluster"/>
     <dgm:cxn modelId="{759E8CFA-A3A0-49A8-B587-08B7D836DC5D}" type="presOf" srcId="{D45AD806-51CE-480F-9C3B-BB8B8E95361A}" destId="{53C3E834-75BA-4786-9C81-AA1B3CF323B2}" srcOrd="0" destOrd="0" presId="urn:microsoft.com/office/officeart/2008/layout/RadialCluster"/>
     <dgm:cxn modelId="{B480055A-0EC8-4A1A-8D0F-7F58DD66234B}" type="presOf" srcId="{97111CE1-2B63-4C70-BF91-BF9D532C91A8}" destId="{45A8C107-9327-4E4F-8DF0-A17A1CA117F0}" srcOrd="0" destOrd="0" presId="urn:microsoft.com/office/officeart/2008/layout/RadialCluster"/>
     <dgm:cxn modelId="{8F93DFA4-E2D4-4D81-BC76-0D0F1426BEAD}" type="presOf" srcId="{6922451B-A710-4DC3-9287-80B152A5A54D}" destId="{C5D05336-9A3C-4272-9CB0-07D67CB2F0EA}" srcOrd="0" destOrd="0" presId="urn:microsoft.com/office/officeart/2008/layout/RadialCluster"/>
     <dgm:cxn modelId="{CC1A8C44-4E81-4BD5-B36C-1FB1A32F2BE3}" srcId="{C2C22D94-58A8-4677-8BD2-079A78619DEF}" destId="{3C908CE8-6E2A-4BA4-B71A-416945C731C6}" srcOrd="2" destOrd="0" parTransId="{55549E92-8231-4410-891D-8F1769E24529}" sibTransId="{CEF566EE-81FB-4DC1-BB9C-F015386EF641}"/>
+    <dgm:cxn modelId="{17135860-D901-414A-8A2B-654227651C4C}" srcId="{C2C22D94-58A8-4677-8BD2-079A78619DEF}" destId="{E7F5AF9F-032C-423D-82CF-63C671D32654}" srcOrd="3" destOrd="0" parTransId="{0A428CA5-4118-498A-BD77-BB669CCA7A8D}" sibTransId="{53F37781-A186-4364-A1EC-2ACBCF14E3CB}"/>
+    <dgm:cxn modelId="{9492DEAA-9930-4ED7-9DFB-0CB5509E4DAB}" type="presOf" srcId="{E7F5AF9F-032C-423D-82CF-63C671D32654}" destId="{2DC9BDCC-D43C-47A2-90E3-DE1A97C41CB4}" srcOrd="0" destOrd="0" presId="urn:microsoft.com/office/officeart/2008/layout/RadialCluster"/>
     <dgm:cxn modelId="{1358DAE2-19AA-4FDE-B094-7A154CEE86F4}" type="presOf" srcId="{55549E92-8231-4410-891D-8F1769E24529}" destId="{9A9302FF-210F-4CC5-8325-8C817972E678}" srcOrd="0" destOrd="0" presId="urn:microsoft.com/office/officeart/2008/layout/RadialCluster"/>
     <dgm:cxn modelId="{68D5D25A-B0B2-4D9E-A863-A8F405A52441}" type="presOf" srcId="{287C46E9-15AE-4C56-96CC-594088188440}" destId="{2A0DC766-5439-486B-95F4-BBEC3413188E}" srcOrd="0" destOrd="0" presId="urn:microsoft.com/office/officeart/2008/layout/RadialCluster"/>
     <dgm:cxn modelId="{19307B9F-55D8-4D15-AB0E-F4E30B4360DB}" type="presOf" srcId="{4382C1A6-CA44-43C2-A969-4B2DD53F3B08}" destId="{7A34193B-C47C-43EE-AD9B-6DE30F307392}" srcOrd="0" destOrd="0" presId="urn:microsoft.com/office/officeart/2008/layout/RadialCluster"/>
-    <dgm:cxn modelId="{DBCF8597-F7DD-4344-8852-9A8A44C8F55B}" srcId="{C2C22D94-58A8-4677-8BD2-079A78619DEF}" destId="{F89AA110-82AF-4B47-A1F7-F9FC0A311593}" srcOrd="3" destOrd="0" parTransId="{D45AD806-51CE-480F-9C3B-BB8B8E95361A}" sibTransId="{0A257561-89C0-454F-8327-FEA44E4DDAB7}"/>
+    <dgm:cxn modelId="{DBCF8597-F7DD-4344-8852-9A8A44C8F55B}" srcId="{C2C22D94-58A8-4677-8BD2-079A78619DEF}" destId="{F89AA110-82AF-4B47-A1F7-F9FC0A311593}" srcOrd="4" destOrd="0" parTransId="{D45AD806-51CE-480F-9C3B-BB8B8E95361A}" sibTransId="{0A257561-89C0-454F-8327-FEA44E4DDAB7}"/>
     <dgm:cxn modelId="{88EDD733-5F6E-44D6-912F-2C5794F15AC8}" type="presOf" srcId="{031D7755-D6A6-4CAF-AAF6-EA648CEFE324}" destId="{7677A07E-B194-4C42-89A6-EB8702CC2322}" srcOrd="0" destOrd="0" presId="urn:microsoft.com/office/officeart/2008/layout/RadialCluster"/>
     <dgm:cxn modelId="{5EFC318E-0E45-4AE3-ABE1-035A1E48067B}" srcId="{C2C22D94-58A8-4677-8BD2-079A78619DEF}" destId="{4382C1A6-CA44-43C2-A969-4B2DD53F3B08}" srcOrd="1" destOrd="0" parTransId="{6922451B-A710-4DC3-9287-80B152A5A54D}" sibTransId="{D65B75A0-5FD6-48F5-8B41-56747E5C967E}"/>
     <dgm:cxn modelId="{EF248A16-0656-467F-B130-5199E764BDAC}" srcId="{287C46E9-15AE-4C56-96CC-594088188440}" destId="{C2C22D94-58A8-4677-8BD2-079A78619DEF}" srcOrd="0" destOrd="0" parTransId="{02538545-F742-4C01-BFE7-B76F56D4F2F0}" sibTransId="{7EE1BF4D-42A6-4843-8364-7967D0DCF2DA}"/>
@@ -1310,8 +1401,10 @@
     <dgm:cxn modelId="{6718F159-0171-4CC6-BDF5-26817AC549AF}" type="presParOf" srcId="{70ACDF21-941F-4ADF-9321-CF2B94447885}" destId="{7A34193B-C47C-43EE-AD9B-6DE30F307392}" srcOrd="4" destOrd="0" presId="urn:microsoft.com/office/officeart/2008/layout/RadialCluster"/>
     <dgm:cxn modelId="{7158701B-F4AA-4DD0-9DC4-4C9716317CE9}" type="presParOf" srcId="{70ACDF21-941F-4ADF-9321-CF2B94447885}" destId="{9A9302FF-210F-4CC5-8325-8C817972E678}" srcOrd="5" destOrd="0" presId="urn:microsoft.com/office/officeart/2008/layout/RadialCluster"/>
     <dgm:cxn modelId="{459F8032-456E-46D0-BE3E-2FC37982EB98}" type="presParOf" srcId="{70ACDF21-941F-4ADF-9321-CF2B94447885}" destId="{2671C09E-065C-44CD-8E0C-B20D2F8B7A35}" srcOrd="6" destOrd="0" presId="urn:microsoft.com/office/officeart/2008/layout/RadialCluster"/>
-    <dgm:cxn modelId="{C66F4B02-7954-4679-9F33-26E4FD3C9A2A}" type="presParOf" srcId="{70ACDF21-941F-4ADF-9321-CF2B94447885}" destId="{53C3E834-75BA-4786-9C81-AA1B3CF323B2}" srcOrd="7" destOrd="0" presId="urn:microsoft.com/office/officeart/2008/layout/RadialCluster"/>
-    <dgm:cxn modelId="{FB96A519-6F17-4AC6-B2D0-663D6CDB532B}" type="presParOf" srcId="{70ACDF21-941F-4ADF-9321-CF2B94447885}" destId="{02E9ACCF-485B-4CC8-9B1D-6E5CFEA10E6B}" srcOrd="8" destOrd="0" presId="urn:microsoft.com/office/officeart/2008/layout/RadialCluster"/>
+    <dgm:cxn modelId="{BDCD77C0-562C-4270-A782-5897E744B73E}" type="presParOf" srcId="{70ACDF21-941F-4ADF-9321-CF2B94447885}" destId="{56B66012-AA44-4677-B0B3-BF75156F5FDD}" srcOrd="7" destOrd="0" presId="urn:microsoft.com/office/officeart/2008/layout/RadialCluster"/>
+    <dgm:cxn modelId="{4FE803F8-37F8-4D29-93D1-C055C5EA50A2}" type="presParOf" srcId="{70ACDF21-941F-4ADF-9321-CF2B94447885}" destId="{2DC9BDCC-D43C-47A2-90E3-DE1A97C41CB4}" srcOrd="8" destOrd="0" presId="urn:microsoft.com/office/officeart/2008/layout/RadialCluster"/>
+    <dgm:cxn modelId="{C66F4B02-7954-4679-9F33-26E4FD3C9A2A}" type="presParOf" srcId="{70ACDF21-941F-4ADF-9321-CF2B94447885}" destId="{53C3E834-75BA-4786-9C81-AA1B3CF323B2}" srcOrd="9" destOrd="0" presId="urn:microsoft.com/office/officeart/2008/layout/RadialCluster"/>
+    <dgm:cxn modelId="{FB96A519-6F17-4AC6-B2D0-663D6CDB532B}" type="presParOf" srcId="{70ACDF21-941F-4ADF-9321-CF2B94447885}" destId="{02E9ACCF-485B-4CC8-9B1D-6E5CFEA10E6B}" srcOrd="10" destOrd="0" presId="urn:microsoft.com/office/officeart/2008/layout/RadialCluster"/>
   </dgm:cxnLst>
   <dgm:bg/>
   <dgm:whole/>
@@ -1338,7 +1431,7 @@
       </dsp:nvSpPr>
       <dsp:spPr>
         <a:xfrm>
-          <a:off x="3435905" y="1584087"/>
+          <a:off x="3435905" y="1765573"/>
           <a:ext cx="1357788" cy="1357788"/>
         </a:xfrm>
         <a:prstGeom prst="roundRect">
@@ -1427,7 +1520,7 @@
         </a:p>
       </dsp:txBody>
       <dsp:txXfrm>
-        <a:off x="3502187" y="1650369"/>
+        <a:off x="3502187" y="1831855"/>
         <a:ext cx="1225224" cy="1225224"/>
       </dsp:txXfrm>
     </dsp:sp>
@@ -1437,9 +1530,9 @@
         <dsp:cNvSpPr/>
       </dsp:nvSpPr>
       <dsp:spPr>
-        <a:xfrm rot="19232586">
-          <a:off x="4691463" y="1419127"/>
-          <a:ext cx="897166" cy="0"/>
+        <a:xfrm rot="18626069">
+          <a:off x="4518019" y="1385953"/>
+          <a:ext cx="997491" cy="0"/>
         </a:xfrm>
         <a:custGeom>
           <a:avLst/>
@@ -1453,7 +1546,7 @@
                 <a:pt x="0" y="0"/>
               </a:moveTo>
               <a:lnTo>
-                <a:pt x="897166" y="0"/>
+                <a:pt x="997491" y="0"/>
               </a:lnTo>
             </a:path>
           </a:pathLst>
@@ -1493,7 +1586,7 @@
       </dsp:nvSpPr>
       <dsp:spPr>
         <a:xfrm>
-          <a:off x="5486399" y="304812"/>
+          <a:off x="5272969" y="96615"/>
           <a:ext cx="909718" cy="909718"/>
         </a:xfrm>
         <a:prstGeom prst="roundRect">
@@ -1555,7 +1648,7 @@
         </a:p>
       </dsp:txBody>
       <dsp:txXfrm>
-        <a:off x="5530808" y="349221"/>
+        <a:off x="5317378" y="141024"/>
         <a:ext cx="820900" cy="820900"/>
       </dsp:txXfrm>
     </dsp:sp>
@@ -1565,9 +1658,9 @@
         <dsp:cNvSpPr/>
       </dsp:nvSpPr>
       <dsp:spPr>
-        <a:xfrm rot="2327967">
-          <a:off x="4695631" y="3087283"/>
-          <a:ext cx="888827" cy="0"/>
+        <a:xfrm rot="2693455">
+          <a:off x="4698198" y="3351952"/>
+          <a:ext cx="655095" cy="0"/>
         </a:xfrm>
         <a:custGeom>
           <a:avLst/>
@@ -1581,7 +1674,7 @@
                 <a:pt x="0" y="0"/>
               </a:moveTo>
               <a:lnTo>
-                <a:pt x="888827" y="0"/>
+                <a:pt x="655095" y="0"/>
               </a:lnTo>
             </a:path>
           </a:pathLst>
@@ -1621,7 +1714,7 @@
       </dsp:nvSpPr>
       <dsp:spPr>
         <a:xfrm>
-          <a:off x="5486396" y="3276601"/>
+          <a:off x="5257798" y="3581393"/>
           <a:ext cx="909718" cy="909718"/>
         </a:xfrm>
         <a:prstGeom prst="roundRect">
@@ -1683,7 +1776,7 @@
         </a:p>
       </dsp:txBody>
       <dsp:txXfrm>
-        <a:off x="5530805" y="3321010"/>
+        <a:off x="5302207" y="3625802"/>
         <a:ext cx="820900" cy="820900"/>
       </dsp:txXfrm>
     </dsp:sp>
@@ -1693,9 +1786,9 @@
         <dsp:cNvSpPr/>
       </dsp:nvSpPr>
       <dsp:spPr>
-        <a:xfrm rot="21495537">
-          <a:off x="4793534" y="2231817"/>
-          <a:ext cx="693033" cy="0"/>
+        <a:xfrm rot="20513326">
+          <a:off x="4755778" y="1984529"/>
+          <a:ext cx="1530540" cy="0"/>
         </a:xfrm>
         <a:custGeom>
           <a:avLst/>
@@ -1709,7 +1802,7 @@
                 <a:pt x="0" y="0"/>
               </a:moveTo>
               <a:lnTo>
-                <a:pt x="693033" y="0"/>
+                <a:pt x="1530540" y="0"/>
               </a:lnTo>
             </a:path>
           </a:pathLst>
@@ -1749,7 +1842,7 @@
       </dsp:nvSpPr>
       <dsp:spPr>
         <a:xfrm>
-          <a:off x="5486408" y="1752604"/>
+          <a:off x="6248403" y="1143006"/>
           <a:ext cx="909718" cy="909718"/>
         </a:xfrm>
         <a:prstGeom prst="roundRect">
@@ -1811,19 +1904,19 @@
         </a:p>
       </dsp:txBody>
       <dsp:txXfrm>
-        <a:off x="5530817" y="1797013"/>
+        <a:off x="6292812" y="1187415"/>
         <a:ext cx="820900" cy="820900"/>
       </dsp:txXfrm>
     </dsp:sp>
-    <dsp:sp modelId="{53C3E834-75BA-4786-9C81-AA1B3CF323B2}">
+    <dsp:sp modelId="{56B66012-AA44-4677-B0B3-BF75156F5FDD}">
       <dsp:nvSpPr>
         <dsp:cNvPr id="0" name=""/>
         <dsp:cNvSpPr/>
       </dsp:nvSpPr>
       <dsp:spPr>
-        <a:xfrm rot="10800000">
-          <a:off x="2761926" y="2262981"/>
-          <a:ext cx="673979" cy="0"/>
+        <a:xfrm rot="491465">
+          <a:off x="4786197" y="2646887"/>
+          <a:ext cx="1469699" cy="0"/>
         </a:xfrm>
         <a:custGeom>
           <a:avLst/>
@@ -1837,7 +1930,135 @@
                 <a:pt x="0" y="0"/>
               </a:moveTo>
               <a:lnTo>
-                <a:pt x="673979" y="0"/>
+                <a:pt x="1469699" y="0"/>
+              </a:lnTo>
+            </a:path>
+          </a:pathLst>
+        </a:custGeom>
+        <a:noFill/>
+        <a:ln w="25400" cap="flat" cmpd="sng" algn="ctr">
+          <a:solidFill>
+            <a:schemeClr val="accent1">
+              <a:shade val="60000"/>
+              <a:hueOff val="0"/>
+              <a:satOff val="0"/>
+              <a:lumOff val="0"/>
+              <a:alphaOff val="0"/>
+            </a:schemeClr>
+          </a:solidFill>
+          <a:prstDash val="solid"/>
+        </a:ln>
+        <a:effectLst/>
+      </dsp:spPr>
+      <dsp:style>
+        <a:lnRef idx="2">
+          <a:scrgbClr r="0" g="0" b="0"/>
+        </a:lnRef>
+        <a:fillRef idx="0">
+          <a:scrgbClr r="0" g="0" b="0"/>
+        </a:fillRef>
+        <a:effectRef idx="0">
+          <a:scrgbClr r="0" g="0" b="0"/>
+        </a:effectRef>
+        <a:fontRef idx="minor"/>
+      </dsp:style>
+    </dsp:sp>
+    <dsp:sp modelId="{2DC9BDCC-D43C-47A2-90E3-DE1A97C41CB4}">
+      <dsp:nvSpPr>
+        <dsp:cNvPr id="0" name=""/>
+        <dsp:cNvSpPr/>
+      </dsp:nvSpPr>
+      <dsp:spPr>
+        <a:xfrm>
+          <a:off x="6248401" y="2362200"/>
+          <a:ext cx="909718" cy="909718"/>
+        </a:xfrm>
+        <a:prstGeom prst="roundRect">
+          <a:avLst/>
+        </a:prstGeom>
+        <a:solidFill>
+          <a:schemeClr val="accent3"/>
+        </a:solidFill>
+        <a:ln w="38100" cap="flat" cmpd="sng" algn="ctr">
+          <a:solidFill>
+            <a:schemeClr val="lt1"/>
+          </a:solidFill>
+          <a:prstDash val="solid"/>
+        </a:ln>
+        <a:effectLst>
+          <a:outerShdw blurRad="40000" dist="20000" dir="5400000" rotWithShape="0">
+            <a:srgbClr val="000000">
+              <a:alpha val="38000"/>
+            </a:srgbClr>
+          </a:outerShdw>
+        </a:effectLst>
+      </dsp:spPr>
+      <dsp:style>
+        <a:lnRef idx="3">
+          <a:schemeClr val="lt1"/>
+        </a:lnRef>
+        <a:fillRef idx="1">
+          <a:schemeClr val="accent3"/>
+        </a:fillRef>
+        <a:effectRef idx="1">
+          <a:schemeClr val="accent3"/>
+        </a:effectRef>
+        <a:fontRef idx="minor">
+          <a:schemeClr val="lt1"/>
+        </a:fontRef>
+      </dsp:style>
+      <dsp:txBody>
+        <a:bodyPr spcFirstLastPara="0" vert="horz" wrap="square" lIns="43180" tIns="43180" rIns="43180" bIns="43180" numCol="1" spcCol="1270" anchor="ctr" anchorCtr="0">
+          <a:noAutofit/>
+        </a:bodyPr>
+        <a:lstStyle/>
+        <a:p>
+          <a:pPr lvl="0" algn="ctr" defTabSz="755650">
+            <a:lnSpc>
+              <a:spcPct val="90000"/>
+            </a:lnSpc>
+            <a:spcBef>
+              <a:spcPct val="0"/>
+            </a:spcBef>
+            <a:spcAft>
+              <a:spcPct val="35000"/>
+            </a:spcAft>
+          </a:pPr>
+          <a:r>
+            <a:rPr lang="en-US" sz="1700" kern="1200" dirty="0" smtClean="0"/>
+            <a:t>Marble in Motion</a:t>
+          </a:r>
+          <a:endParaRPr lang="en-US" sz="1700" kern="1200" dirty="0"/>
+        </a:p>
+      </dsp:txBody>
+      <dsp:txXfrm>
+        <a:off x="6292810" y="2406609"/>
+        <a:ext cx="820900" cy="820900"/>
+      </dsp:txXfrm>
+    </dsp:sp>
+    <dsp:sp modelId="{53C3E834-75BA-4786-9C81-AA1B3CF323B2}">
+      <dsp:nvSpPr>
+        <dsp:cNvPr id="0" name=""/>
+        <dsp:cNvSpPr/>
+      </dsp:nvSpPr>
+      <dsp:spPr>
+        <a:xfrm rot="11880000">
+          <a:off x="2744790" y="2114419"/>
+          <a:ext cx="708451" cy="0"/>
+        </a:xfrm>
+        <a:custGeom>
+          <a:avLst/>
+          <a:gdLst/>
+          <a:ahLst/>
+          <a:cxnLst/>
+          <a:rect l="0" t="0" r="0" b="0"/>
+          <a:pathLst>
+            <a:path>
+              <a:moveTo>
+                <a:pt x="0" y="0"/>
+              </a:moveTo>
+              <a:lnTo>
+                <a:pt x="708451" y="0"/>
               </a:lnTo>
             </a:path>
           </a:pathLst>
@@ -1877,7 +2098,7 @@
       </dsp:nvSpPr>
       <dsp:spPr>
         <a:xfrm>
-          <a:off x="1852207" y="1808122"/>
+          <a:off x="1852409" y="1402306"/>
           <a:ext cx="909718" cy="909718"/>
         </a:xfrm>
         <a:prstGeom prst="roundRect">
@@ -1939,7 +2160,7 @@
         </a:p>
       </dsp:txBody>
       <dsp:txXfrm>
-        <a:off x="1896616" y="1852531"/>
+        <a:off x="1896818" y="1446715"/>
         <a:ext cx="820900" cy="820900"/>
       </dsp:txXfrm>
     </dsp:sp>
@@ -9369,18 +9590,32 @@
           <a:lstStyle/>
           <a:p>
             <a:r>
-              <a:rPr lang="en-US" dirty="0">
-                <a:hlinkClick r:id="rId4"/>
-              </a:rPr>
-              <a:t>http://bigmarble.azurewebsites.net</a:t>
-            </a:r>
-            <a:r>
-              <a:rPr lang="en-US" dirty="0" smtClean="0">
-                <a:hlinkClick r:id="rId4"/>
-              </a:rPr>
+              <a:rPr lang="en-US" dirty="0" smtClean="0"/>
+              <a:t>Google-like interface so that anybody can </a:t>
+            </a:r>
+            <a:r>
+              <a:rPr lang="en-US" dirty="0"/>
+              <a:t>more easily access the data</a:t>
+            </a:r>
+            <a:r>
+              <a:rPr lang="en-US" dirty="0" smtClean="0"/>
+              <a:t> </a:t>
+            </a:r>
+            <a:endParaRPr lang="en-US" dirty="0" smtClean="0"/>
+          </a:p>
+          <a:p>
+            <a:r>
+              <a:rPr lang="en-US" dirty="0" smtClean="0"/>
+              <a:t>http</a:t>
+            </a:r>
+            <a:r>
+              <a:rPr lang="en-US" dirty="0"/>
+              <a:t>://bigmarble.azurewebsites.net</a:t>
+            </a:r>
+            <a:r>
+              <a:rPr lang="en-US" dirty="0" smtClean="0"/>
               <a:t>/</a:t>
             </a:r>
-            <a:endParaRPr lang="en-US" dirty="0" smtClean="0"/>
           </a:p>
           <a:p>
             <a:r>
@@ -9395,6 +9630,887 @@
     <p:extLst>
       <p:ext uri="{BB962C8B-B14F-4D97-AF65-F5344CB8AC3E}">
         <p14:creationId xmlns:p14="http://schemas.microsoft.com/office/powerpoint/2010/main" val="166140387"/>
+      </p:ext>
+    </p:extLst>
+  </p:cSld>
+  <p:clrMapOvr>
+    <a:overrideClrMapping bg1="lt1" tx1="dk1" bg2="lt2" tx2="dk2" accent1="accent1" accent2="accent2" accent3="accent3" accent4="accent4" accent5="accent5" accent6="accent6" hlink="hlink" folHlink="folHlink"/>
+  </p:clrMapOvr>
+</p:sld>
+</file>
+
+<file path=ppt/slides/slide12.xml><?xml version="1.0" encoding="utf-8"?>
+<p:sld xmlns:a="http://schemas.openxmlformats.org/drawingml/2006/main" xmlns:r="http://schemas.openxmlformats.org/officeDocument/2006/relationships" xmlns:p="http://schemas.openxmlformats.org/presentationml/2006/main">
+  <p:cSld>
+    <p:bg>
+      <p:bgPr>
+        <a:blipFill dpi="0" rotWithShape="1">
+          <a:blip r:embed="rId3">
+            <a:alphaModFix amt="81000"/>
+            <a:lum/>
+          </a:blip>
+          <a:srcRect/>
+          <a:stretch>
+            <a:fillRect t="-16000" b="-16000"/>
+          </a:stretch>
+        </a:blipFill>
+        <a:effectLst/>
+      </p:bgPr>
+    </p:bg>
+    <p:spTree>
+      <p:nvGrpSpPr>
+        <p:cNvPr id="1" name=""/>
+        <p:cNvGrpSpPr/>
+        <p:nvPr/>
+      </p:nvGrpSpPr>
+      <p:grpSpPr>
+        <a:xfrm>
+          <a:off x="0" y="0"/>
+          <a:ext cx="0" cy="0"/>
+          <a:chOff x="0" y="0"/>
+          <a:chExt cx="0" cy="0"/>
+        </a:xfrm>
+      </p:grpSpPr>
+      <p:sp>
+        <p:nvSpPr>
+          <p:cNvPr id="2" name="Title 1"/>
+          <p:cNvSpPr>
+            <a:spLocks noGrp="1"/>
+          </p:cNvSpPr>
+          <p:nvPr>
+            <p:ph type="title"/>
+          </p:nvPr>
+        </p:nvSpPr>
+        <p:spPr/>
+        <p:txBody>
+          <a:bodyPr/>
+          <a:lstStyle/>
+          <a:p>
+            <a:r>
+              <a:rPr lang="en-US" dirty="0" smtClean="0"/>
+              <a:t>Big Marble Website - Overview</a:t>
+            </a:r>
+            <a:endParaRPr lang="en-US" dirty="0"/>
+          </a:p>
+        </p:txBody>
+      </p:sp>
+      <p:sp>
+        <p:nvSpPr>
+          <p:cNvPr id="3" name="Content Placeholder 2"/>
+          <p:cNvSpPr>
+            <a:spLocks noGrp="1"/>
+          </p:cNvSpPr>
+          <p:nvPr>
+            <p:ph idx="1"/>
+          </p:nvPr>
+        </p:nvSpPr>
+        <p:spPr/>
+        <p:txBody>
+          <a:bodyPr/>
+          <a:lstStyle/>
+          <a:p>
+            <a:r>
+              <a:rPr lang="en-US" dirty="0" smtClean="0"/>
+              <a:t>Hosting provided by Microsoft Azure</a:t>
+            </a:r>
+          </a:p>
+          <a:p>
+            <a:r>
+              <a:rPr lang="en-US" dirty="0" smtClean="0"/>
+              <a:t>Uses the public </a:t>
+            </a:r>
+            <a:r>
+              <a:rPr lang="en-US" dirty="0" err="1" smtClean="0"/>
+              <a:t>RESTful</a:t>
+            </a:r>
+            <a:r>
+              <a:rPr lang="en-US" dirty="0" smtClean="0"/>
+              <a:t> API to retrieve all information</a:t>
+            </a:r>
+          </a:p>
+          <a:p>
+            <a:r>
+              <a:rPr lang="en-US" dirty="0" smtClean="0"/>
+              <a:t>Simple and elegant interface with a strong back-end</a:t>
+            </a:r>
+          </a:p>
+          <a:p>
+            <a:endParaRPr lang="en-US" dirty="0"/>
+          </a:p>
+        </p:txBody>
+      </p:sp>
+      <p:sp>
+        <p:nvSpPr>
+          <p:cNvPr id="4" name="TextBox 3"/>
+          <p:cNvSpPr txBox="1"/>
+          <p:nvPr/>
+        </p:nvSpPr>
+        <p:spPr>
+          <a:xfrm>
+            <a:off x="4343400" y="6324600"/>
+            <a:ext cx="4800600" cy="892552"/>
+          </a:xfrm>
+          <a:prstGeom prst="rect">
+            <a:avLst/>
+          </a:prstGeom>
+          <a:noFill/>
+        </p:spPr>
+        <p:txBody>
+          <a:bodyPr wrap="square" rtlCol="0">
+            <a:spAutoFit/>
+          </a:bodyPr>
+          <a:lstStyle/>
+          <a:p>
+            <a:r>
+              <a:rPr lang="en-US" sz="2400" dirty="0"/>
+              <a:t>http://bigmarble.azurewebsites.net/</a:t>
+            </a:r>
+          </a:p>
+          <a:p>
+            <a:endParaRPr lang="en-US" sz="2800" dirty="0"/>
+          </a:p>
+        </p:txBody>
+      </p:sp>
+    </p:spTree>
+    <p:extLst>
+      <p:ext uri="{BB962C8B-B14F-4D97-AF65-F5344CB8AC3E}">
+        <p14:creationId xmlns:p14="http://schemas.microsoft.com/office/powerpoint/2010/main" val="1493424169"/>
+      </p:ext>
+    </p:extLst>
+  </p:cSld>
+  <p:clrMapOvr>
+    <a:overrideClrMapping bg1="lt1" tx1="dk1" bg2="lt2" tx2="dk2" accent1="accent1" accent2="accent2" accent3="accent3" accent4="accent4" accent5="accent5" accent6="accent6" hlink="hlink" folHlink="folHlink"/>
+  </p:clrMapOvr>
+</p:sld>
+</file>
+
+<file path=ppt/slides/slide13.xml><?xml version="1.0" encoding="utf-8"?>
+<p:sld xmlns:a="http://schemas.openxmlformats.org/drawingml/2006/main" xmlns:r="http://schemas.openxmlformats.org/officeDocument/2006/relationships" xmlns:p="http://schemas.openxmlformats.org/presentationml/2006/main">
+  <p:cSld>
+    <p:bg>
+      <p:bgPr>
+        <a:blipFill dpi="0" rotWithShape="1">
+          <a:blip r:embed="rId3">
+            <a:alphaModFix amt="81000"/>
+            <a:lum/>
+          </a:blip>
+          <a:srcRect/>
+          <a:stretch>
+            <a:fillRect t="-16000" b="-16000"/>
+          </a:stretch>
+        </a:blipFill>
+        <a:effectLst/>
+      </p:bgPr>
+    </p:bg>
+    <p:spTree>
+      <p:nvGrpSpPr>
+        <p:cNvPr id="1" name=""/>
+        <p:cNvGrpSpPr/>
+        <p:nvPr/>
+      </p:nvGrpSpPr>
+      <p:grpSpPr>
+        <a:xfrm>
+          <a:off x="0" y="0"/>
+          <a:ext cx="0" cy="0"/>
+          <a:chOff x="0" y="0"/>
+          <a:chExt cx="0" cy="0"/>
+        </a:xfrm>
+      </p:grpSpPr>
+      <p:sp>
+        <p:nvSpPr>
+          <p:cNvPr id="2" name="Title 1"/>
+          <p:cNvSpPr>
+            <a:spLocks noGrp="1"/>
+          </p:cNvSpPr>
+          <p:nvPr>
+            <p:ph type="title"/>
+          </p:nvPr>
+        </p:nvSpPr>
+        <p:spPr/>
+        <p:txBody>
+          <a:bodyPr/>
+          <a:lstStyle/>
+          <a:p>
+            <a:r>
+              <a:rPr lang="en-US" dirty="0" smtClean="0"/>
+              <a:t>Big Marble Website - Searching</a:t>
+            </a:r>
+            <a:endParaRPr lang="en-US" dirty="0"/>
+          </a:p>
+        </p:txBody>
+      </p:sp>
+      <p:sp>
+        <p:nvSpPr>
+          <p:cNvPr id="3" name="Content Placeholder 2"/>
+          <p:cNvSpPr>
+            <a:spLocks noGrp="1"/>
+          </p:cNvSpPr>
+          <p:nvPr>
+            <p:ph idx="1"/>
+          </p:nvPr>
+        </p:nvSpPr>
+        <p:spPr/>
+        <p:txBody>
+          <a:bodyPr/>
+          <a:lstStyle/>
+          <a:p>
+            <a:r>
+              <a:rPr lang="en-US" dirty="0" smtClean="0"/>
+              <a:t>Just type in an address or location and images are returned</a:t>
+            </a:r>
+          </a:p>
+          <a:p>
+            <a:r>
+              <a:rPr lang="en-US" dirty="0" smtClean="0"/>
+              <a:t>Examples:</a:t>
+            </a:r>
+          </a:p>
+          <a:p>
+            <a:pPr lvl="1"/>
+            <a:r>
+              <a:rPr lang="en-US" dirty="0" smtClean="0"/>
+              <a:t>“</a:t>
+            </a:r>
+            <a:r>
+              <a:rPr lang="en-US" dirty="0"/>
+              <a:t>2415 Woodland </a:t>
+            </a:r>
+            <a:r>
+              <a:rPr lang="en-US" dirty="0" smtClean="0"/>
+              <a:t>Ave, Cleveland, OH”</a:t>
+            </a:r>
+          </a:p>
+          <a:p>
+            <a:pPr lvl="1"/>
+            <a:r>
+              <a:rPr lang="en-US" dirty="0" smtClean="0"/>
+              <a:t>“Berlin, Germany”</a:t>
+            </a:r>
+          </a:p>
+          <a:p>
+            <a:pPr lvl="1"/>
+            <a:r>
+              <a:rPr lang="en-US" dirty="0" smtClean="0"/>
+              <a:t>“Amazon River”</a:t>
+            </a:r>
+          </a:p>
+          <a:p>
+            <a:pPr lvl="1"/>
+            <a:r>
+              <a:rPr lang="en-US" dirty="0" smtClean="0"/>
+              <a:t>“The Alps”</a:t>
+            </a:r>
+          </a:p>
+          <a:p>
+            <a:pPr lvl="1"/>
+            <a:r>
+              <a:rPr lang="en-US" dirty="0" smtClean="0"/>
+              <a:t>“Cleveland Browns Stadium”</a:t>
+            </a:r>
+            <a:endParaRPr lang="en-US" dirty="0"/>
+          </a:p>
+        </p:txBody>
+      </p:sp>
+    </p:spTree>
+    <p:extLst>
+      <p:ext uri="{BB962C8B-B14F-4D97-AF65-F5344CB8AC3E}">
+        <p14:creationId xmlns:p14="http://schemas.microsoft.com/office/powerpoint/2010/main" val="370924724"/>
+      </p:ext>
+    </p:extLst>
+  </p:cSld>
+  <p:clrMapOvr>
+    <a:overrideClrMapping bg1="lt1" tx1="dk1" bg2="lt2" tx2="dk2" accent1="accent1" accent2="accent2" accent3="accent3" accent4="accent4" accent5="accent5" accent6="accent6" hlink="hlink" folHlink="folHlink"/>
+  </p:clrMapOvr>
+</p:sld>
+</file>
+
+<file path=ppt/slides/slide14.xml><?xml version="1.0" encoding="utf-8"?>
+<p:sld xmlns:a="http://schemas.openxmlformats.org/drawingml/2006/main" xmlns:r="http://schemas.openxmlformats.org/officeDocument/2006/relationships" xmlns:p="http://schemas.openxmlformats.org/presentationml/2006/main">
+  <p:cSld>
+    <p:bg>
+      <p:bgPr>
+        <a:blipFill dpi="0" rotWithShape="1">
+          <a:blip r:embed="rId3">
+            <a:alphaModFix amt="81000"/>
+            <a:lum/>
+          </a:blip>
+          <a:srcRect/>
+          <a:stretch>
+            <a:fillRect t="-16000" b="-16000"/>
+          </a:stretch>
+        </a:blipFill>
+        <a:effectLst/>
+      </p:bgPr>
+    </p:bg>
+    <p:spTree>
+      <p:nvGrpSpPr>
+        <p:cNvPr id="1" name=""/>
+        <p:cNvGrpSpPr/>
+        <p:nvPr/>
+      </p:nvGrpSpPr>
+      <p:grpSpPr>
+        <a:xfrm>
+          <a:off x="0" y="0"/>
+          <a:ext cx="0" cy="0"/>
+          <a:chOff x="0" y="0"/>
+          <a:chExt cx="0" cy="0"/>
+        </a:xfrm>
+      </p:grpSpPr>
+      <p:sp>
+        <p:nvSpPr>
+          <p:cNvPr id="2" name="Title 1"/>
+          <p:cNvSpPr>
+            <a:spLocks noGrp="1"/>
+          </p:cNvSpPr>
+          <p:nvPr>
+            <p:ph type="title"/>
+          </p:nvPr>
+        </p:nvSpPr>
+        <p:spPr/>
+        <p:txBody>
+          <a:bodyPr/>
+          <a:lstStyle/>
+          <a:p>
+            <a:r>
+              <a:rPr lang="en-US" dirty="0" smtClean="0"/>
+              <a:t>Big Marble Website - Searching</a:t>
+            </a:r>
+            <a:endParaRPr lang="en-US" dirty="0"/>
+          </a:p>
+        </p:txBody>
+      </p:sp>
+      <p:sp>
+        <p:nvSpPr>
+          <p:cNvPr id="3" name="Content Placeholder 2"/>
+          <p:cNvSpPr>
+            <a:spLocks noGrp="1"/>
+          </p:cNvSpPr>
+          <p:nvPr>
+            <p:ph idx="1"/>
+          </p:nvPr>
+        </p:nvSpPr>
+        <p:spPr/>
+        <p:txBody>
+          <a:bodyPr/>
+          <a:lstStyle/>
+          <a:p>
+            <a:r>
+              <a:rPr lang="en-US" dirty="0" smtClean="0"/>
+              <a:t>[TODO Screenshot of the field populated, ready to Search]</a:t>
+            </a:r>
+            <a:endParaRPr lang="en-US" dirty="0"/>
+          </a:p>
+        </p:txBody>
+      </p:sp>
+    </p:spTree>
+    <p:extLst>
+      <p:ext uri="{BB962C8B-B14F-4D97-AF65-F5344CB8AC3E}">
+        <p14:creationId xmlns:p14="http://schemas.microsoft.com/office/powerpoint/2010/main" val="2033237988"/>
+      </p:ext>
+    </p:extLst>
+  </p:cSld>
+  <p:clrMapOvr>
+    <a:overrideClrMapping bg1="lt1" tx1="dk1" bg2="lt2" tx2="dk2" accent1="accent1" accent2="accent2" accent3="accent3" accent4="accent4" accent5="accent5" accent6="accent6" hlink="hlink" folHlink="folHlink"/>
+  </p:clrMapOvr>
+</p:sld>
+</file>
+
+<file path=ppt/slides/slide15.xml><?xml version="1.0" encoding="utf-8"?>
+<p:sld xmlns:a="http://schemas.openxmlformats.org/drawingml/2006/main" xmlns:r="http://schemas.openxmlformats.org/officeDocument/2006/relationships" xmlns:p="http://schemas.openxmlformats.org/presentationml/2006/main">
+  <p:cSld>
+    <p:bg>
+      <p:bgPr>
+        <a:blipFill dpi="0" rotWithShape="1">
+          <a:blip r:embed="rId3">
+            <a:alphaModFix amt="81000"/>
+            <a:lum/>
+          </a:blip>
+          <a:srcRect/>
+          <a:stretch>
+            <a:fillRect t="-16000" b="-16000"/>
+          </a:stretch>
+        </a:blipFill>
+        <a:effectLst/>
+      </p:bgPr>
+    </p:bg>
+    <p:spTree>
+      <p:nvGrpSpPr>
+        <p:cNvPr id="1" name=""/>
+        <p:cNvGrpSpPr/>
+        <p:nvPr/>
+      </p:nvGrpSpPr>
+      <p:grpSpPr>
+        <a:xfrm>
+          <a:off x="0" y="0"/>
+          <a:ext cx="0" cy="0"/>
+          <a:chOff x="0" y="0"/>
+          <a:chExt cx="0" cy="0"/>
+        </a:xfrm>
+      </p:grpSpPr>
+      <p:sp>
+        <p:nvSpPr>
+          <p:cNvPr id="2" name="Title 1"/>
+          <p:cNvSpPr>
+            <a:spLocks noGrp="1"/>
+          </p:cNvSpPr>
+          <p:nvPr>
+            <p:ph type="title"/>
+          </p:nvPr>
+        </p:nvSpPr>
+        <p:spPr/>
+        <p:txBody>
+          <a:bodyPr/>
+          <a:lstStyle/>
+          <a:p>
+            <a:r>
+              <a:rPr lang="en-US" dirty="0" smtClean="0"/>
+              <a:t>Big Marble Website - Results</a:t>
+            </a:r>
+            <a:endParaRPr lang="en-US" dirty="0"/>
+          </a:p>
+        </p:txBody>
+      </p:sp>
+      <p:sp>
+        <p:nvSpPr>
+          <p:cNvPr id="3" name="Content Placeholder 2"/>
+          <p:cNvSpPr>
+            <a:spLocks noGrp="1"/>
+          </p:cNvSpPr>
+          <p:nvPr>
+            <p:ph idx="1"/>
+          </p:nvPr>
+        </p:nvSpPr>
+        <p:spPr/>
+        <p:txBody>
+          <a:bodyPr/>
+          <a:lstStyle/>
+          <a:p>
+            <a:r>
+              <a:rPr lang="en-US" dirty="0" smtClean="0"/>
+              <a:t>[TODO: decide on search criteria]</a:t>
+            </a:r>
+          </a:p>
+          <a:p>
+            <a:r>
+              <a:rPr lang="en-US" dirty="0" smtClean="0"/>
+              <a:t>[TODO: screenshot of image results]</a:t>
+            </a:r>
+            <a:endParaRPr lang="en-US" dirty="0"/>
+          </a:p>
+        </p:txBody>
+      </p:sp>
+    </p:spTree>
+    <p:extLst>
+      <p:ext uri="{BB962C8B-B14F-4D97-AF65-F5344CB8AC3E}">
+        <p14:creationId xmlns:p14="http://schemas.microsoft.com/office/powerpoint/2010/main" val="2696039943"/>
+      </p:ext>
+    </p:extLst>
+  </p:cSld>
+  <p:clrMapOvr>
+    <a:overrideClrMapping bg1="lt1" tx1="dk1" bg2="lt2" tx2="dk2" accent1="accent1" accent2="accent2" accent3="accent3" accent4="accent4" accent5="accent5" accent6="accent6" hlink="hlink" folHlink="folHlink"/>
+  </p:clrMapOvr>
+</p:sld>
+</file>
+
+<file path=ppt/slides/slide16.xml><?xml version="1.0" encoding="utf-8"?>
+<p:sld xmlns:a="http://schemas.openxmlformats.org/drawingml/2006/main" xmlns:r="http://schemas.openxmlformats.org/officeDocument/2006/relationships" xmlns:p="http://schemas.openxmlformats.org/presentationml/2006/main">
+  <p:cSld>
+    <p:bg>
+      <p:bgPr>
+        <a:blipFill dpi="0" rotWithShape="1">
+          <a:blip r:embed="rId3">
+            <a:alphaModFix amt="81000"/>
+            <a:lum/>
+          </a:blip>
+          <a:srcRect/>
+          <a:stretch>
+            <a:fillRect t="-16000" b="-16000"/>
+          </a:stretch>
+        </a:blipFill>
+        <a:effectLst/>
+      </p:bgPr>
+    </p:bg>
+    <p:spTree>
+      <p:nvGrpSpPr>
+        <p:cNvPr id="1" name=""/>
+        <p:cNvGrpSpPr/>
+        <p:nvPr/>
+      </p:nvGrpSpPr>
+      <p:grpSpPr>
+        <a:xfrm>
+          <a:off x="0" y="0"/>
+          <a:ext cx="0" cy="0"/>
+          <a:chOff x="0" y="0"/>
+          <a:chExt cx="0" cy="0"/>
+        </a:xfrm>
+      </p:grpSpPr>
+      <p:sp>
+        <p:nvSpPr>
+          <p:cNvPr id="2" name="Title 1"/>
+          <p:cNvSpPr>
+            <a:spLocks noGrp="1"/>
+          </p:cNvSpPr>
+          <p:nvPr>
+            <p:ph type="title"/>
+          </p:nvPr>
+        </p:nvSpPr>
+        <p:spPr/>
+        <p:txBody>
+          <a:bodyPr/>
+          <a:lstStyle/>
+          <a:p>
+            <a:r>
+              <a:rPr lang="en-US" dirty="0" smtClean="0"/>
+              <a:t>Big Marble Website - Results</a:t>
+            </a:r>
+            <a:endParaRPr lang="en-US" dirty="0"/>
+          </a:p>
+        </p:txBody>
+      </p:sp>
+      <p:sp>
+        <p:nvSpPr>
+          <p:cNvPr id="3" name="Content Placeholder 2"/>
+          <p:cNvSpPr>
+            <a:spLocks noGrp="1"/>
+          </p:cNvSpPr>
+          <p:nvPr>
+            <p:ph idx="1"/>
+          </p:nvPr>
+        </p:nvSpPr>
+        <p:spPr/>
+        <p:txBody>
+          <a:bodyPr/>
+          <a:lstStyle/>
+          <a:p>
+            <a:r>
+              <a:rPr lang="en-US" dirty="0" smtClean="0"/>
+              <a:t>Some of the metadata information is listed for each image returned</a:t>
+            </a:r>
+          </a:p>
+          <a:p>
+            <a:r>
+              <a:rPr lang="en-US" dirty="0" smtClean="0"/>
+              <a:t>[TODO: screenshot of a single result]</a:t>
+            </a:r>
+            <a:endParaRPr lang="en-US" dirty="0"/>
+          </a:p>
+        </p:txBody>
+      </p:sp>
+    </p:spTree>
+    <p:extLst>
+      <p:ext uri="{BB962C8B-B14F-4D97-AF65-F5344CB8AC3E}">
+        <p14:creationId xmlns:p14="http://schemas.microsoft.com/office/powerpoint/2010/main" val="4082610677"/>
+      </p:ext>
+    </p:extLst>
+  </p:cSld>
+  <p:clrMapOvr>
+    <a:overrideClrMapping bg1="lt1" tx1="dk1" bg2="lt2" tx2="dk2" accent1="accent1" accent2="accent2" accent3="accent3" accent4="accent4" accent5="accent5" accent6="accent6" hlink="hlink" folHlink="folHlink"/>
+  </p:clrMapOvr>
+</p:sld>
+</file>
+
+<file path=ppt/slides/slide17.xml><?xml version="1.0" encoding="utf-8"?>
+<p:sld xmlns:a="http://schemas.openxmlformats.org/drawingml/2006/main" xmlns:r="http://schemas.openxmlformats.org/officeDocument/2006/relationships" xmlns:p="http://schemas.openxmlformats.org/presentationml/2006/main">
+  <p:cSld>
+    <p:bg>
+      <p:bgPr>
+        <a:blipFill dpi="0" rotWithShape="1">
+          <a:blip r:embed="rId3">
+            <a:alphaModFix amt="81000"/>
+            <a:lum/>
+          </a:blip>
+          <a:srcRect/>
+          <a:stretch>
+            <a:fillRect t="-16000" b="-16000"/>
+          </a:stretch>
+        </a:blipFill>
+        <a:effectLst/>
+      </p:bgPr>
+    </p:bg>
+    <p:spTree>
+      <p:nvGrpSpPr>
+        <p:cNvPr id="1" name=""/>
+        <p:cNvGrpSpPr/>
+        <p:nvPr/>
+      </p:nvGrpSpPr>
+      <p:grpSpPr>
+        <a:xfrm>
+          <a:off x="0" y="0"/>
+          <a:ext cx="0" cy="0"/>
+          <a:chOff x="0" y="0"/>
+          <a:chExt cx="0" cy="0"/>
+        </a:xfrm>
+      </p:grpSpPr>
+      <p:sp>
+        <p:nvSpPr>
+          <p:cNvPr id="2" name="Title 1"/>
+          <p:cNvSpPr>
+            <a:spLocks noGrp="1"/>
+          </p:cNvSpPr>
+          <p:nvPr>
+            <p:ph type="title"/>
+          </p:nvPr>
+        </p:nvSpPr>
+        <p:spPr/>
+        <p:txBody>
+          <a:bodyPr/>
+          <a:lstStyle/>
+          <a:p>
+            <a:r>
+              <a:rPr lang="en-US" dirty="0" smtClean="0"/>
+              <a:t>Big Marble Website - Results</a:t>
+            </a:r>
+            <a:endParaRPr lang="en-US" dirty="0"/>
+          </a:p>
+        </p:txBody>
+      </p:sp>
+      <p:sp>
+        <p:nvSpPr>
+          <p:cNvPr id="3" name="Content Placeholder 2"/>
+          <p:cNvSpPr>
+            <a:spLocks noGrp="1"/>
+          </p:cNvSpPr>
+          <p:nvPr>
+            <p:ph idx="1"/>
+          </p:nvPr>
+        </p:nvSpPr>
+        <p:spPr/>
+        <p:txBody>
+          <a:bodyPr/>
+          <a:lstStyle/>
+          <a:p>
+            <a:r>
+              <a:rPr lang="en-US" dirty="0" smtClean="0"/>
+              <a:t>Clicking on an image shows a high resolution version</a:t>
+            </a:r>
+          </a:p>
+          <a:p>
+            <a:r>
+              <a:rPr lang="en-US" dirty="0" smtClean="0"/>
+              <a:t>[TODO: screen cap]</a:t>
+            </a:r>
+            <a:endParaRPr lang="en-US" dirty="0"/>
+          </a:p>
+        </p:txBody>
+      </p:sp>
+    </p:spTree>
+    <p:extLst>
+      <p:ext uri="{BB962C8B-B14F-4D97-AF65-F5344CB8AC3E}">
+        <p14:creationId xmlns:p14="http://schemas.microsoft.com/office/powerpoint/2010/main" val="3676796809"/>
+      </p:ext>
+    </p:extLst>
+  </p:cSld>
+  <p:clrMapOvr>
+    <a:overrideClrMapping bg1="lt1" tx1="dk1" bg2="lt2" tx2="dk2" accent1="accent1" accent2="accent2" accent3="accent3" accent4="accent4" accent5="accent5" accent6="accent6" hlink="hlink" folHlink="folHlink"/>
+  </p:clrMapOvr>
+</p:sld>
+</file>
+
+<file path=ppt/slides/slide18.xml><?xml version="1.0" encoding="utf-8"?>
+<p:sld xmlns:a="http://schemas.openxmlformats.org/drawingml/2006/main" xmlns:r="http://schemas.openxmlformats.org/officeDocument/2006/relationships" xmlns:p="http://schemas.openxmlformats.org/presentationml/2006/main">
+  <p:cSld>
+    <p:bg>
+      <p:bgPr>
+        <a:blipFill dpi="0" rotWithShape="1">
+          <a:blip r:embed="rId3">
+            <a:alphaModFix amt="81000"/>
+            <a:lum/>
+          </a:blip>
+          <a:srcRect/>
+          <a:stretch>
+            <a:fillRect t="-16000" b="-16000"/>
+          </a:stretch>
+        </a:blipFill>
+        <a:effectLst/>
+      </p:bgPr>
+    </p:bg>
+    <p:spTree>
+      <p:nvGrpSpPr>
+        <p:cNvPr id="1" name=""/>
+        <p:cNvGrpSpPr/>
+        <p:nvPr/>
+      </p:nvGrpSpPr>
+      <p:grpSpPr>
+        <a:xfrm>
+          <a:off x="0" y="0"/>
+          <a:ext cx="0" cy="0"/>
+          <a:chOff x="0" y="0"/>
+          <a:chExt cx="0" cy="0"/>
+        </a:xfrm>
+      </p:grpSpPr>
+      <p:sp>
+        <p:nvSpPr>
+          <p:cNvPr id="2" name="Title 1"/>
+          <p:cNvSpPr>
+            <a:spLocks noGrp="1"/>
+          </p:cNvSpPr>
+          <p:nvPr>
+            <p:ph type="title"/>
+          </p:nvPr>
+        </p:nvSpPr>
+        <p:spPr/>
+        <p:txBody>
+          <a:bodyPr/>
+          <a:lstStyle/>
+          <a:p>
+            <a:r>
+              <a:rPr lang="en-US" dirty="0" smtClean="0"/>
+              <a:t>Twitter Account - Overview</a:t>
+            </a:r>
+            <a:endParaRPr lang="en-US" dirty="0"/>
+          </a:p>
+        </p:txBody>
+      </p:sp>
+      <p:sp>
+        <p:nvSpPr>
+          <p:cNvPr id="3" name="Content Placeholder 2"/>
+          <p:cNvSpPr>
+            <a:spLocks noGrp="1"/>
+          </p:cNvSpPr>
+          <p:nvPr>
+            <p:ph idx="1"/>
+          </p:nvPr>
+        </p:nvSpPr>
+        <p:spPr/>
+        <p:txBody>
+          <a:bodyPr/>
+          <a:lstStyle/>
+          <a:p>
+            <a:r>
+              <a:rPr lang="en-US" dirty="0"/>
+              <a:t>Provided a way to push this data to the masses by creating a twitter account</a:t>
+            </a:r>
+          </a:p>
+          <a:p>
+            <a:r>
+              <a:rPr lang="en-US" dirty="0"/>
+              <a:t>https://</a:t>
+            </a:r>
+            <a:r>
+              <a:rPr lang="en-US" dirty="0" smtClean="0"/>
+              <a:t>twitter.com/TheBigMarble (</a:t>
+            </a:r>
+            <a:r>
+              <a:rPr lang="en-US" dirty="0"/>
+              <a:t>CHECK </a:t>
+            </a:r>
+            <a:r>
+              <a:rPr lang="en-US" dirty="0" smtClean="0"/>
+              <a:t>IT OUT!)</a:t>
+            </a:r>
+          </a:p>
+          <a:p>
+            <a:r>
+              <a:rPr lang="en-US" dirty="0" smtClean="0"/>
+              <a:t>Posts a formatted message and a random image at regular intervals</a:t>
+            </a:r>
+          </a:p>
+          <a:p>
+            <a:r>
+              <a:rPr lang="en-US" dirty="0" smtClean="0"/>
+              <a:t>Hosted on Windows Azure</a:t>
+            </a:r>
+          </a:p>
+          <a:p>
+            <a:endParaRPr lang="en-US" dirty="0"/>
+          </a:p>
+        </p:txBody>
+      </p:sp>
+    </p:spTree>
+    <p:extLst>
+      <p:ext uri="{BB962C8B-B14F-4D97-AF65-F5344CB8AC3E}">
+        <p14:creationId xmlns:p14="http://schemas.microsoft.com/office/powerpoint/2010/main" val="1046119276"/>
+      </p:ext>
+    </p:extLst>
+  </p:cSld>
+  <p:clrMapOvr>
+    <a:overrideClrMapping bg1="lt1" tx1="dk1" bg2="lt2" tx2="dk2" accent1="accent1" accent2="accent2" accent3="accent3" accent4="accent4" accent5="accent5" accent6="accent6" hlink="hlink" folHlink="folHlink"/>
+  </p:clrMapOvr>
+</p:sld>
+</file>
+
+<file path=ppt/slides/slide19.xml><?xml version="1.0" encoding="utf-8"?>
+<p:sld xmlns:a="http://schemas.openxmlformats.org/drawingml/2006/main" xmlns:r="http://schemas.openxmlformats.org/officeDocument/2006/relationships" xmlns:p="http://schemas.openxmlformats.org/presentationml/2006/main">
+  <p:cSld>
+    <p:bg>
+      <p:bgPr>
+        <a:blipFill dpi="0" rotWithShape="1">
+          <a:blip r:embed="rId3">
+            <a:alphaModFix amt="81000"/>
+            <a:lum/>
+          </a:blip>
+          <a:srcRect/>
+          <a:stretch>
+            <a:fillRect t="-16000" b="-16000"/>
+          </a:stretch>
+        </a:blipFill>
+        <a:effectLst/>
+      </p:bgPr>
+    </p:bg>
+    <p:spTree>
+      <p:nvGrpSpPr>
+        <p:cNvPr id="1" name=""/>
+        <p:cNvGrpSpPr/>
+        <p:nvPr/>
+      </p:nvGrpSpPr>
+      <p:grpSpPr>
+        <a:xfrm>
+          <a:off x="0" y="0"/>
+          <a:ext cx="0" cy="0"/>
+          <a:chOff x="0" y="0"/>
+          <a:chExt cx="0" cy="0"/>
+        </a:xfrm>
+      </p:grpSpPr>
+      <p:sp>
+        <p:nvSpPr>
+          <p:cNvPr id="2" name="Title 1"/>
+          <p:cNvSpPr>
+            <a:spLocks noGrp="1"/>
+          </p:cNvSpPr>
+          <p:nvPr>
+            <p:ph type="title"/>
+          </p:nvPr>
+        </p:nvSpPr>
+        <p:spPr/>
+        <p:txBody>
+          <a:bodyPr/>
+          <a:lstStyle/>
+          <a:p>
+            <a:r>
+              <a:rPr lang="en-US" dirty="0" smtClean="0"/>
+              <a:t>Twitter Account – Main Page</a:t>
+            </a:r>
+            <a:endParaRPr lang="en-US" dirty="0"/>
+          </a:p>
+        </p:txBody>
+      </p:sp>
+      <p:sp>
+        <p:nvSpPr>
+          <p:cNvPr id="3" name="Content Placeholder 2"/>
+          <p:cNvSpPr>
+            <a:spLocks noGrp="1"/>
+          </p:cNvSpPr>
+          <p:nvPr>
+            <p:ph idx="1"/>
+          </p:nvPr>
+        </p:nvSpPr>
+        <p:spPr/>
+        <p:txBody>
+          <a:bodyPr/>
+          <a:lstStyle/>
+          <a:p>
+            <a:r>
+              <a:rPr lang="en-US" dirty="0" smtClean="0"/>
+              <a:t>[TODO screen shot]</a:t>
+            </a:r>
+            <a:endParaRPr lang="en-US" dirty="0"/>
+          </a:p>
+        </p:txBody>
+      </p:sp>
+    </p:spTree>
+    <p:extLst>
+      <p:ext uri="{BB962C8B-B14F-4D97-AF65-F5344CB8AC3E}">
+        <p14:creationId xmlns:p14="http://schemas.microsoft.com/office/powerpoint/2010/main" val="29824144"/>
       </p:ext>
     </p:extLst>
   </p:cSld>
@@ -9537,6 +10653,930 @@
       </p:par>
     </p:tnLst>
   </p:timing>
+</p:sld>
+</file>
+
+<file path=ppt/slides/slide20.xml><?xml version="1.0" encoding="utf-8"?>
+<p:sld xmlns:a="http://schemas.openxmlformats.org/drawingml/2006/main" xmlns:r="http://schemas.openxmlformats.org/officeDocument/2006/relationships" xmlns:p="http://schemas.openxmlformats.org/presentationml/2006/main">
+  <p:cSld>
+    <p:bg>
+      <p:bgPr>
+        <a:blipFill dpi="0" rotWithShape="1">
+          <a:blip r:embed="rId3">
+            <a:alphaModFix amt="81000"/>
+            <a:lum/>
+          </a:blip>
+          <a:srcRect/>
+          <a:stretch>
+            <a:fillRect t="-16000" b="-16000"/>
+          </a:stretch>
+        </a:blipFill>
+        <a:effectLst/>
+      </p:bgPr>
+    </p:bg>
+    <p:spTree>
+      <p:nvGrpSpPr>
+        <p:cNvPr id="1" name=""/>
+        <p:cNvGrpSpPr/>
+        <p:nvPr/>
+      </p:nvGrpSpPr>
+      <p:grpSpPr>
+        <a:xfrm>
+          <a:off x="0" y="0"/>
+          <a:ext cx="0" cy="0"/>
+          <a:chOff x="0" y="0"/>
+          <a:chExt cx="0" cy="0"/>
+        </a:xfrm>
+      </p:grpSpPr>
+      <p:sp>
+        <p:nvSpPr>
+          <p:cNvPr id="2" name="Title 1"/>
+          <p:cNvSpPr>
+            <a:spLocks noGrp="1"/>
+          </p:cNvSpPr>
+          <p:nvPr>
+            <p:ph type="title"/>
+          </p:nvPr>
+        </p:nvSpPr>
+        <p:spPr/>
+        <p:txBody>
+          <a:bodyPr/>
+          <a:lstStyle/>
+          <a:p>
+            <a:r>
+              <a:rPr lang="en-US" dirty="0" smtClean="0"/>
+              <a:t>Twitter – Individual Tweet</a:t>
+            </a:r>
+            <a:endParaRPr lang="en-US" dirty="0"/>
+          </a:p>
+        </p:txBody>
+      </p:sp>
+      <p:sp>
+        <p:nvSpPr>
+          <p:cNvPr id="3" name="Content Placeholder 2"/>
+          <p:cNvSpPr>
+            <a:spLocks noGrp="1"/>
+          </p:cNvSpPr>
+          <p:nvPr>
+            <p:ph idx="1"/>
+          </p:nvPr>
+        </p:nvSpPr>
+        <p:spPr/>
+        <p:txBody>
+          <a:bodyPr/>
+          <a:lstStyle/>
+          <a:p>
+            <a:r>
+              <a:rPr lang="en-US" dirty="0" smtClean="0"/>
+              <a:t>Provides a link to the image</a:t>
+            </a:r>
+          </a:p>
+          <a:p>
+            <a:r>
+              <a:rPr lang="en-US" dirty="0" smtClean="0"/>
+              <a:t>Provide </a:t>
+            </a:r>
+            <a:r>
+              <a:rPr lang="en-US" dirty="0" err="1" smtClean="0"/>
+              <a:t>geodata</a:t>
+            </a:r>
+            <a:r>
+              <a:rPr lang="en-US" dirty="0" smtClean="0"/>
+              <a:t> about the image</a:t>
+            </a:r>
+            <a:endParaRPr lang="en-US" dirty="0"/>
+          </a:p>
+        </p:txBody>
+      </p:sp>
+    </p:spTree>
+    <p:extLst>
+      <p:ext uri="{BB962C8B-B14F-4D97-AF65-F5344CB8AC3E}">
+        <p14:creationId xmlns:p14="http://schemas.microsoft.com/office/powerpoint/2010/main" val="3429974852"/>
+      </p:ext>
+    </p:extLst>
+  </p:cSld>
+  <p:clrMapOvr>
+    <a:overrideClrMapping bg1="lt1" tx1="dk1" bg2="lt2" tx2="dk2" accent1="accent1" accent2="accent2" accent3="accent3" accent4="accent4" accent5="accent5" accent6="accent6" hlink="hlink" folHlink="folHlink"/>
+  </p:clrMapOvr>
+</p:sld>
+</file>
+
+<file path=ppt/slides/slide21.xml><?xml version="1.0" encoding="utf-8"?>
+<p:sld xmlns:a="http://schemas.openxmlformats.org/drawingml/2006/main" xmlns:r="http://schemas.openxmlformats.org/officeDocument/2006/relationships" xmlns:p="http://schemas.openxmlformats.org/presentationml/2006/main">
+  <p:cSld>
+    <p:bg>
+      <p:bgPr>
+        <a:blipFill dpi="0" rotWithShape="1">
+          <a:blip r:embed="rId3">
+            <a:alphaModFix amt="81000"/>
+            <a:lum/>
+          </a:blip>
+          <a:srcRect/>
+          <a:stretch>
+            <a:fillRect t="-16000" b="-16000"/>
+          </a:stretch>
+        </a:blipFill>
+        <a:effectLst/>
+      </p:bgPr>
+    </p:bg>
+    <p:spTree>
+      <p:nvGrpSpPr>
+        <p:cNvPr id="1" name=""/>
+        <p:cNvGrpSpPr/>
+        <p:nvPr/>
+      </p:nvGrpSpPr>
+      <p:grpSpPr>
+        <a:xfrm>
+          <a:off x="0" y="0"/>
+          <a:ext cx="0" cy="0"/>
+          <a:chOff x="0" y="0"/>
+          <a:chExt cx="0" cy="0"/>
+        </a:xfrm>
+      </p:grpSpPr>
+      <p:sp>
+        <p:nvSpPr>
+          <p:cNvPr id="2" name="Title 1"/>
+          <p:cNvSpPr>
+            <a:spLocks noGrp="1"/>
+          </p:cNvSpPr>
+          <p:nvPr>
+            <p:ph type="title"/>
+          </p:nvPr>
+        </p:nvSpPr>
+        <p:spPr/>
+        <p:txBody>
+          <a:bodyPr/>
+          <a:lstStyle/>
+          <a:p>
+            <a:r>
+              <a:rPr lang="en-US" dirty="0" smtClean="0"/>
+              <a:t>Twitter – Individual Tweet</a:t>
+            </a:r>
+            <a:endParaRPr lang="en-US" dirty="0"/>
+          </a:p>
+        </p:txBody>
+      </p:sp>
+      <p:sp>
+        <p:nvSpPr>
+          <p:cNvPr id="3" name="Content Placeholder 2"/>
+          <p:cNvSpPr>
+            <a:spLocks noGrp="1"/>
+          </p:cNvSpPr>
+          <p:nvPr>
+            <p:ph idx="1"/>
+          </p:nvPr>
+        </p:nvSpPr>
+        <p:spPr/>
+        <p:txBody>
+          <a:bodyPr/>
+          <a:lstStyle/>
+          <a:p>
+            <a:r>
+              <a:rPr lang="en-US" dirty="0" smtClean="0"/>
+              <a:t>Clicking on the Link brings up the location in Google maps that the image was taken</a:t>
+            </a:r>
+          </a:p>
+          <a:p>
+            <a:r>
+              <a:rPr lang="en-US" dirty="0" smtClean="0"/>
+              <a:t>[TODO screen shot]</a:t>
+            </a:r>
+            <a:endParaRPr lang="en-US" dirty="0"/>
+          </a:p>
+        </p:txBody>
+      </p:sp>
+    </p:spTree>
+    <p:extLst>
+      <p:ext uri="{BB962C8B-B14F-4D97-AF65-F5344CB8AC3E}">
+        <p14:creationId xmlns:p14="http://schemas.microsoft.com/office/powerpoint/2010/main" val="3813328871"/>
+      </p:ext>
+    </p:extLst>
+  </p:cSld>
+  <p:clrMapOvr>
+    <a:overrideClrMapping bg1="lt1" tx1="dk1" bg2="lt2" tx2="dk2" accent1="accent1" accent2="accent2" accent3="accent3" accent4="accent4" accent5="accent5" accent6="accent6" hlink="hlink" folHlink="folHlink"/>
+  </p:clrMapOvr>
+</p:sld>
+</file>
+
+<file path=ppt/slides/slide22.xml><?xml version="1.0" encoding="utf-8"?>
+<p:sld xmlns:a="http://schemas.openxmlformats.org/drawingml/2006/main" xmlns:r="http://schemas.openxmlformats.org/officeDocument/2006/relationships" xmlns:p="http://schemas.openxmlformats.org/presentationml/2006/main">
+  <p:cSld>
+    <p:bg>
+      <p:bgPr>
+        <a:blipFill dpi="0" rotWithShape="1">
+          <a:blip r:embed="rId3">
+            <a:alphaModFix amt="81000"/>
+            <a:lum/>
+          </a:blip>
+          <a:srcRect/>
+          <a:stretch>
+            <a:fillRect t="-16000" b="-16000"/>
+          </a:stretch>
+        </a:blipFill>
+        <a:effectLst/>
+      </p:bgPr>
+    </p:bg>
+    <p:spTree>
+      <p:nvGrpSpPr>
+        <p:cNvPr id="1" name=""/>
+        <p:cNvGrpSpPr/>
+        <p:nvPr/>
+      </p:nvGrpSpPr>
+      <p:grpSpPr>
+        <a:xfrm>
+          <a:off x="0" y="0"/>
+          <a:ext cx="0" cy="0"/>
+          <a:chOff x="0" y="0"/>
+          <a:chExt cx="0" cy="0"/>
+        </a:xfrm>
+      </p:grpSpPr>
+      <p:sp>
+        <p:nvSpPr>
+          <p:cNvPr id="2" name="Title 1"/>
+          <p:cNvSpPr>
+            <a:spLocks noGrp="1"/>
+          </p:cNvSpPr>
+          <p:nvPr>
+            <p:ph type="title"/>
+          </p:nvPr>
+        </p:nvSpPr>
+        <p:spPr/>
+        <p:txBody>
+          <a:bodyPr/>
+          <a:lstStyle/>
+          <a:p>
+            <a:r>
+              <a:rPr lang="en-US" dirty="0" smtClean="0"/>
+              <a:t>Marble in Motion</a:t>
+            </a:r>
+            <a:endParaRPr lang="en-US" dirty="0"/>
+          </a:p>
+        </p:txBody>
+      </p:sp>
+      <p:sp>
+        <p:nvSpPr>
+          <p:cNvPr id="3" name="Content Placeholder 2"/>
+          <p:cNvSpPr>
+            <a:spLocks noGrp="1"/>
+          </p:cNvSpPr>
+          <p:nvPr>
+            <p:ph idx="1"/>
+          </p:nvPr>
+        </p:nvSpPr>
+        <p:spPr/>
+        <p:txBody>
+          <a:bodyPr/>
+          <a:lstStyle/>
+          <a:p>
+            <a:r>
+              <a:rPr lang="en-US" dirty="0" smtClean="0"/>
+              <a:t>A utility that uses the Big Marble API to create movies</a:t>
+            </a:r>
+          </a:p>
+          <a:p>
+            <a:r>
+              <a:rPr lang="en-US" dirty="0" smtClean="0"/>
+              <a:t>Images are tagged with camera roll and frame</a:t>
+            </a:r>
+          </a:p>
+          <a:p>
+            <a:r>
+              <a:rPr lang="en-US" dirty="0" smtClean="0"/>
+              <a:t>It combines sequential images together to make a GIF</a:t>
+            </a:r>
+            <a:endParaRPr lang="en-US" dirty="0"/>
+          </a:p>
+        </p:txBody>
+      </p:sp>
+    </p:spTree>
+    <p:extLst>
+      <p:ext uri="{BB962C8B-B14F-4D97-AF65-F5344CB8AC3E}">
+        <p14:creationId xmlns:p14="http://schemas.microsoft.com/office/powerpoint/2010/main" val="916094696"/>
+      </p:ext>
+    </p:extLst>
+  </p:cSld>
+  <p:clrMapOvr>
+    <a:overrideClrMapping bg1="lt1" tx1="dk1" bg2="lt2" tx2="dk2" accent1="accent1" accent2="accent2" accent3="accent3" accent4="accent4" accent5="accent5" accent6="accent6" hlink="hlink" folHlink="folHlink"/>
+  </p:clrMapOvr>
+</p:sld>
+</file>
+
+<file path=ppt/slides/slide23.xml><?xml version="1.0" encoding="utf-8"?>
+<p:sld xmlns:a="http://schemas.openxmlformats.org/drawingml/2006/main" xmlns:r="http://schemas.openxmlformats.org/officeDocument/2006/relationships" xmlns:p="http://schemas.openxmlformats.org/presentationml/2006/main">
+  <p:cSld>
+    <p:bg>
+      <p:bgPr>
+        <a:blipFill dpi="0" rotWithShape="1">
+          <a:blip r:embed="rId3">
+            <a:alphaModFix amt="81000"/>
+            <a:lum/>
+          </a:blip>
+          <a:srcRect/>
+          <a:stretch>
+            <a:fillRect t="-16000" b="-16000"/>
+          </a:stretch>
+        </a:blipFill>
+        <a:effectLst/>
+      </p:bgPr>
+    </p:bg>
+    <p:spTree>
+      <p:nvGrpSpPr>
+        <p:cNvPr id="1" name=""/>
+        <p:cNvGrpSpPr/>
+        <p:nvPr/>
+      </p:nvGrpSpPr>
+      <p:grpSpPr>
+        <a:xfrm>
+          <a:off x="0" y="0"/>
+          <a:ext cx="0" cy="0"/>
+          <a:chOff x="0" y="0"/>
+          <a:chExt cx="0" cy="0"/>
+        </a:xfrm>
+      </p:grpSpPr>
+      <p:sp>
+        <p:nvSpPr>
+          <p:cNvPr id="2" name="Title 1"/>
+          <p:cNvSpPr>
+            <a:spLocks noGrp="1"/>
+          </p:cNvSpPr>
+          <p:nvPr>
+            <p:ph type="title"/>
+          </p:nvPr>
+        </p:nvSpPr>
+        <p:spPr/>
+        <p:txBody>
+          <a:bodyPr/>
+          <a:lstStyle/>
+          <a:p>
+            <a:r>
+              <a:rPr lang="en-US" dirty="0" smtClean="0"/>
+              <a:t>Marble in Motion - Example</a:t>
+            </a:r>
+            <a:endParaRPr lang="en-US" dirty="0"/>
+          </a:p>
+        </p:txBody>
+      </p:sp>
+      <p:sp>
+        <p:nvSpPr>
+          <p:cNvPr id="3" name="Content Placeholder 2"/>
+          <p:cNvSpPr>
+            <a:spLocks noGrp="1"/>
+          </p:cNvSpPr>
+          <p:nvPr>
+            <p:ph idx="1"/>
+          </p:nvPr>
+        </p:nvSpPr>
+        <p:spPr/>
+        <p:txBody>
+          <a:bodyPr/>
+          <a:lstStyle/>
+          <a:p>
+            <a:r>
+              <a:rPr lang="en-US" dirty="0" smtClean="0"/>
+              <a:t>[TODO EMBED MOVIE]</a:t>
+            </a:r>
+            <a:endParaRPr lang="en-US" dirty="0"/>
+          </a:p>
+        </p:txBody>
+      </p:sp>
+    </p:spTree>
+    <p:extLst>
+      <p:ext uri="{BB962C8B-B14F-4D97-AF65-F5344CB8AC3E}">
+        <p14:creationId xmlns:p14="http://schemas.microsoft.com/office/powerpoint/2010/main" val="1926425034"/>
+      </p:ext>
+    </p:extLst>
+  </p:cSld>
+  <p:clrMapOvr>
+    <a:overrideClrMapping bg1="lt1" tx1="dk1" bg2="lt2" tx2="dk2" accent1="accent1" accent2="accent2" accent3="accent3" accent4="accent4" accent5="accent5" accent6="accent6" hlink="hlink" folHlink="folHlink"/>
+  </p:clrMapOvr>
+</p:sld>
+</file>
+
+<file path=ppt/slides/slide24.xml><?xml version="1.0" encoding="utf-8"?>
+<p:sld xmlns:a="http://schemas.openxmlformats.org/drawingml/2006/main" xmlns:r="http://schemas.openxmlformats.org/officeDocument/2006/relationships" xmlns:p="http://schemas.openxmlformats.org/presentationml/2006/main">
+  <p:cSld>
+    <p:bg>
+      <p:bgPr>
+        <a:blipFill dpi="0" rotWithShape="1">
+          <a:blip r:embed="rId3">
+            <a:alphaModFix amt="81000"/>
+            <a:lum/>
+          </a:blip>
+          <a:srcRect/>
+          <a:stretch>
+            <a:fillRect t="-16000" b="-16000"/>
+          </a:stretch>
+        </a:blipFill>
+        <a:effectLst/>
+      </p:bgPr>
+    </p:bg>
+    <p:spTree>
+      <p:nvGrpSpPr>
+        <p:cNvPr id="1" name=""/>
+        <p:cNvGrpSpPr/>
+        <p:nvPr/>
+      </p:nvGrpSpPr>
+      <p:grpSpPr>
+        <a:xfrm>
+          <a:off x="0" y="0"/>
+          <a:ext cx="0" cy="0"/>
+          <a:chOff x="0" y="0"/>
+          <a:chExt cx="0" cy="0"/>
+        </a:xfrm>
+      </p:grpSpPr>
+      <p:sp>
+        <p:nvSpPr>
+          <p:cNvPr id="2" name="Title 1"/>
+          <p:cNvSpPr>
+            <a:spLocks noGrp="1"/>
+          </p:cNvSpPr>
+          <p:nvPr>
+            <p:ph type="title"/>
+          </p:nvPr>
+        </p:nvSpPr>
+        <p:spPr/>
+        <p:txBody>
+          <a:bodyPr/>
+          <a:lstStyle/>
+          <a:p>
+            <a:r>
+              <a:rPr lang="en-US" dirty="0" smtClean="0"/>
+              <a:t>Marble in Motion - Example</a:t>
+            </a:r>
+            <a:endParaRPr lang="en-US" dirty="0"/>
+          </a:p>
+        </p:txBody>
+      </p:sp>
+      <p:sp>
+        <p:nvSpPr>
+          <p:cNvPr id="3" name="Content Placeholder 2"/>
+          <p:cNvSpPr>
+            <a:spLocks noGrp="1"/>
+          </p:cNvSpPr>
+          <p:nvPr>
+            <p:ph idx="1"/>
+          </p:nvPr>
+        </p:nvSpPr>
+        <p:spPr/>
+        <p:txBody>
+          <a:bodyPr/>
+          <a:lstStyle/>
+          <a:p>
+            <a:r>
+              <a:rPr lang="en-US" dirty="0" smtClean="0"/>
+              <a:t>[TODO EMBED MOVIE]</a:t>
+            </a:r>
+            <a:endParaRPr lang="en-US" dirty="0"/>
+          </a:p>
+        </p:txBody>
+      </p:sp>
+    </p:spTree>
+    <p:extLst>
+      <p:ext uri="{BB962C8B-B14F-4D97-AF65-F5344CB8AC3E}">
+        <p14:creationId xmlns:p14="http://schemas.microsoft.com/office/powerpoint/2010/main" val="3240455641"/>
+      </p:ext>
+    </p:extLst>
+  </p:cSld>
+  <p:clrMapOvr>
+    <a:overrideClrMapping bg1="lt1" tx1="dk1" bg2="lt2" tx2="dk2" accent1="accent1" accent2="accent2" accent3="accent3" accent4="accent4" accent5="accent5" accent6="accent6" hlink="hlink" folHlink="folHlink"/>
+  </p:clrMapOvr>
+</p:sld>
+</file>
+
+<file path=ppt/slides/slide25.xml><?xml version="1.0" encoding="utf-8"?>
+<p:sld xmlns:a="http://schemas.openxmlformats.org/drawingml/2006/main" xmlns:r="http://schemas.openxmlformats.org/officeDocument/2006/relationships" xmlns:p="http://schemas.openxmlformats.org/presentationml/2006/main">
+  <p:cSld>
+    <p:bg>
+      <p:bgPr>
+        <a:blipFill dpi="0" rotWithShape="1">
+          <a:blip r:embed="rId3">
+            <a:alphaModFix amt="81000"/>
+            <a:lum/>
+          </a:blip>
+          <a:srcRect/>
+          <a:stretch>
+            <a:fillRect t="-16000" b="-16000"/>
+          </a:stretch>
+        </a:blipFill>
+        <a:effectLst/>
+      </p:bgPr>
+    </p:bg>
+    <p:spTree>
+      <p:nvGrpSpPr>
+        <p:cNvPr id="1" name=""/>
+        <p:cNvGrpSpPr/>
+        <p:nvPr/>
+      </p:nvGrpSpPr>
+      <p:grpSpPr>
+        <a:xfrm>
+          <a:off x="0" y="0"/>
+          <a:ext cx="0" cy="0"/>
+          <a:chOff x="0" y="0"/>
+          <a:chExt cx="0" cy="0"/>
+        </a:xfrm>
+      </p:grpSpPr>
+      <p:sp>
+        <p:nvSpPr>
+          <p:cNvPr id="2" name="Title 1"/>
+          <p:cNvSpPr>
+            <a:spLocks noGrp="1"/>
+          </p:cNvSpPr>
+          <p:nvPr>
+            <p:ph type="title"/>
+          </p:nvPr>
+        </p:nvSpPr>
+        <p:spPr/>
+        <p:txBody>
+          <a:bodyPr/>
+          <a:lstStyle/>
+          <a:p>
+            <a:r>
+              <a:rPr lang="en-US" dirty="0" smtClean="0"/>
+              <a:t>Challenges Faced</a:t>
+            </a:r>
+            <a:endParaRPr lang="en-US" dirty="0"/>
+          </a:p>
+        </p:txBody>
+      </p:sp>
+      <p:sp>
+        <p:nvSpPr>
+          <p:cNvPr id="3" name="Content Placeholder 2"/>
+          <p:cNvSpPr>
+            <a:spLocks noGrp="1"/>
+          </p:cNvSpPr>
+          <p:nvPr>
+            <p:ph idx="1"/>
+          </p:nvPr>
+        </p:nvSpPr>
+        <p:spPr/>
+        <p:txBody>
+          <a:bodyPr/>
+          <a:lstStyle/>
+          <a:p>
+            <a:r>
+              <a:rPr lang="en-US" dirty="0" smtClean="0"/>
+              <a:t>Learning curve with </a:t>
+            </a:r>
+            <a:r>
+              <a:rPr lang="en-US" dirty="0"/>
+              <a:t>n</a:t>
+            </a:r>
+            <a:r>
+              <a:rPr lang="en-US" dirty="0" smtClean="0"/>
+              <a:t>ew technologies</a:t>
+            </a:r>
+          </a:p>
+          <a:p>
+            <a:r>
+              <a:rPr lang="en-US" dirty="0" smtClean="0"/>
+              <a:t>Database challenges – performance</a:t>
+            </a:r>
+          </a:p>
+          <a:p>
+            <a:r>
+              <a:rPr lang="en-US" dirty="0" smtClean="0"/>
+              <a:t>Working in </a:t>
+            </a:r>
+            <a:r>
+              <a:rPr lang="en-US" dirty="0" err="1" smtClean="0"/>
+              <a:t>Git</a:t>
+            </a:r>
+            <a:r>
+              <a:rPr lang="en-US" dirty="0" smtClean="0"/>
+              <a:t> in a team environment</a:t>
+            </a:r>
+          </a:p>
+          <a:p>
+            <a:r>
+              <a:rPr lang="en-US" dirty="0" smtClean="0"/>
+              <a:t>Tech compatibility issues</a:t>
+            </a:r>
+            <a:endParaRPr lang="en-US" dirty="0"/>
+          </a:p>
+        </p:txBody>
+      </p:sp>
+    </p:spTree>
+    <p:extLst>
+      <p:ext uri="{BB962C8B-B14F-4D97-AF65-F5344CB8AC3E}">
+        <p14:creationId xmlns:p14="http://schemas.microsoft.com/office/powerpoint/2010/main" val="3756374368"/>
+      </p:ext>
+    </p:extLst>
+  </p:cSld>
+  <p:clrMapOvr>
+    <a:overrideClrMapping bg1="lt1" tx1="dk1" bg2="lt2" tx2="dk2" accent1="accent1" accent2="accent2" accent3="accent3" accent4="accent4" accent5="accent5" accent6="accent6" hlink="hlink" folHlink="folHlink"/>
+  </p:clrMapOvr>
+</p:sld>
+</file>
+
+<file path=ppt/slides/slide26.xml><?xml version="1.0" encoding="utf-8"?>
+<p:sld xmlns:a="http://schemas.openxmlformats.org/drawingml/2006/main" xmlns:r="http://schemas.openxmlformats.org/officeDocument/2006/relationships" xmlns:p="http://schemas.openxmlformats.org/presentationml/2006/main">
+  <p:cSld>
+    <p:bg>
+      <p:bgPr>
+        <a:blipFill dpi="0" rotWithShape="1">
+          <a:blip r:embed="rId3">
+            <a:alphaModFix amt="81000"/>
+            <a:lum/>
+          </a:blip>
+          <a:srcRect/>
+          <a:stretch>
+            <a:fillRect t="-16000" b="-16000"/>
+          </a:stretch>
+        </a:blipFill>
+        <a:effectLst/>
+      </p:bgPr>
+    </p:bg>
+    <p:spTree>
+      <p:nvGrpSpPr>
+        <p:cNvPr id="1" name=""/>
+        <p:cNvGrpSpPr/>
+        <p:nvPr/>
+      </p:nvGrpSpPr>
+      <p:grpSpPr>
+        <a:xfrm>
+          <a:off x="0" y="0"/>
+          <a:ext cx="0" cy="0"/>
+          <a:chOff x="0" y="0"/>
+          <a:chExt cx="0" cy="0"/>
+        </a:xfrm>
+      </p:grpSpPr>
+      <p:sp>
+        <p:nvSpPr>
+          <p:cNvPr id="2" name="Title 1"/>
+          <p:cNvSpPr>
+            <a:spLocks noGrp="1"/>
+          </p:cNvSpPr>
+          <p:nvPr>
+            <p:ph type="title"/>
+          </p:nvPr>
+        </p:nvSpPr>
+        <p:spPr/>
+        <p:txBody>
+          <a:bodyPr/>
+          <a:lstStyle/>
+          <a:p>
+            <a:r>
+              <a:rPr lang="en-US" dirty="0" smtClean="0"/>
+              <a:t>Next Steps</a:t>
+            </a:r>
+            <a:endParaRPr lang="en-US" dirty="0"/>
+          </a:p>
+        </p:txBody>
+      </p:sp>
+      <p:sp>
+        <p:nvSpPr>
+          <p:cNvPr id="3" name="Content Placeholder 2"/>
+          <p:cNvSpPr>
+            <a:spLocks noGrp="1"/>
+          </p:cNvSpPr>
+          <p:nvPr>
+            <p:ph idx="1"/>
+          </p:nvPr>
+        </p:nvSpPr>
+        <p:spPr/>
+        <p:txBody>
+          <a:bodyPr/>
+          <a:lstStyle/>
+          <a:p>
+            <a:r>
+              <a:rPr lang="en-US" dirty="0" smtClean="0"/>
+              <a:t>Additional Data Sets</a:t>
+            </a:r>
+          </a:p>
+          <a:p>
+            <a:r>
+              <a:rPr lang="en-US" dirty="0" smtClean="0"/>
+              <a:t>Auto-Generated API </a:t>
+            </a:r>
+            <a:r>
+              <a:rPr lang="en-US" dirty="0" err="1" smtClean="0"/>
+              <a:t>Documention</a:t>
+            </a:r>
+            <a:endParaRPr lang="en-US" dirty="0" smtClean="0"/>
+          </a:p>
+          <a:p>
+            <a:r>
+              <a:rPr lang="en-US" dirty="0" smtClean="0"/>
+              <a:t>Create a more robust API (standalone)</a:t>
+            </a:r>
+          </a:p>
+          <a:p>
+            <a:endParaRPr lang="en-US" dirty="0"/>
+          </a:p>
+        </p:txBody>
+      </p:sp>
+    </p:spTree>
+    <p:extLst>
+      <p:ext uri="{BB962C8B-B14F-4D97-AF65-F5344CB8AC3E}">
+        <p14:creationId xmlns:p14="http://schemas.microsoft.com/office/powerpoint/2010/main" val="1043627707"/>
+      </p:ext>
+    </p:extLst>
+  </p:cSld>
+  <p:clrMapOvr>
+    <a:overrideClrMapping bg1="lt1" tx1="dk1" bg2="lt2" tx2="dk2" accent1="accent1" accent2="accent2" accent3="accent3" accent4="accent4" accent5="accent5" accent6="accent6" hlink="hlink" folHlink="folHlink"/>
+  </p:clrMapOvr>
+</p:sld>
+</file>
+
+<file path=ppt/slides/slide27.xml><?xml version="1.0" encoding="utf-8"?>
+<p:sld xmlns:a="http://schemas.openxmlformats.org/drawingml/2006/main" xmlns:r="http://schemas.openxmlformats.org/officeDocument/2006/relationships" xmlns:p="http://schemas.openxmlformats.org/presentationml/2006/main">
+  <p:cSld>
+    <p:bg>
+      <p:bgPr>
+        <a:blipFill dpi="0" rotWithShape="1">
+          <a:blip r:embed="rId3">
+            <a:alphaModFix amt="81000"/>
+            <a:lum/>
+          </a:blip>
+          <a:srcRect/>
+          <a:stretch>
+            <a:fillRect t="-16000" b="-16000"/>
+          </a:stretch>
+        </a:blipFill>
+        <a:effectLst/>
+      </p:bgPr>
+    </p:bg>
+    <p:spTree>
+      <p:nvGrpSpPr>
+        <p:cNvPr id="1" name=""/>
+        <p:cNvGrpSpPr/>
+        <p:nvPr/>
+      </p:nvGrpSpPr>
+      <p:grpSpPr>
+        <a:xfrm>
+          <a:off x="0" y="0"/>
+          <a:ext cx="0" cy="0"/>
+          <a:chOff x="0" y="0"/>
+          <a:chExt cx="0" cy="0"/>
+        </a:xfrm>
+      </p:grpSpPr>
+      <p:sp>
+        <p:nvSpPr>
+          <p:cNvPr id="2" name="Title 1"/>
+          <p:cNvSpPr>
+            <a:spLocks noGrp="1"/>
+          </p:cNvSpPr>
+          <p:nvPr>
+            <p:ph type="title"/>
+          </p:nvPr>
+        </p:nvSpPr>
+        <p:spPr/>
+        <p:txBody>
+          <a:bodyPr/>
+          <a:lstStyle/>
+          <a:p>
+            <a:r>
+              <a:rPr lang="en-US" dirty="0" smtClean="0"/>
+              <a:t>Conclusion</a:t>
+            </a:r>
+            <a:endParaRPr lang="en-US" dirty="0"/>
+          </a:p>
+        </p:txBody>
+      </p:sp>
+      <p:sp>
+        <p:nvSpPr>
+          <p:cNvPr id="3" name="Content Placeholder 2"/>
+          <p:cNvSpPr>
+            <a:spLocks noGrp="1"/>
+          </p:cNvSpPr>
+          <p:nvPr>
+            <p:ph idx="1"/>
+          </p:nvPr>
+        </p:nvSpPr>
+        <p:spPr/>
+        <p:txBody>
+          <a:bodyPr/>
+          <a:lstStyle/>
+          <a:p>
+            <a:r>
+              <a:rPr lang="en-US" dirty="0" smtClean="0"/>
+              <a:t>[TODO: …we have just provided a better way to access the data.  Now let’s see what people can do with it!] word that better</a:t>
+            </a:r>
+            <a:endParaRPr lang="en-US" dirty="0"/>
+          </a:p>
+        </p:txBody>
+      </p:sp>
+    </p:spTree>
+    <p:extLst>
+      <p:ext uri="{BB962C8B-B14F-4D97-AF65-F5344CB8AC3E}">
+        <p14:creationId xmlns:p14="http://schemas.microsoft.com/office/powerpoint/2010/main" val="1971559525"/>
+      </p:ext>
+    </p:extLst>
+  </p:cSld>
+  <p:clrMapOvr>
+    <a:overrideClrMapping bg1="lt1" tx1="dk1" bg2="lt2" tx2="dk2" accent1="accent1" accent2="accent2" accent3="accent3" accent4="accent4" accent5="accent5" accent6="accent6" hlink="hlink" folHlink="folHlink"/>
+  </p:clrMapOvr>
+</p:sld>
+</file>
+
+<file path=ppt/slides/slide28.xml><?xml version="1.0" encoding="utf-8"?>
+<p:sld xmlns:a="http://schemas.openxmlformats.org/drawingml/2006/main" xmlns:r="http://schemas.openxmlformats.org/officeDocument/2006/relationships" xmlns:p="http://schemas.openxmlformats.org/presentationml/2006/main">
+  <p:cSld>
+    <p:bg>
+      <p:bgPr>
+        <a:blipFill dpi="0" rotWithShape="1">
+          <a:blip r:embed="rId3">
+            <a:alphaModFix amt="81000"/>
+            <a:lum/>
+          </a:blip>
+          <a:srcRect/>
+          <a:stretch>
+            <a:fillRect t="-16000" b="-16000"/>
+          </a:stretch>
+        </a:blipFill>
+        <a:effectLst/>
+      </p:bgPr>
+    </p:bg>
+    <p:spTree>
+      <p:nvGrpSpPr>
+        <p:cNvPr id="1" name=""/>
+        <p:cNvGrpSpPr/>
+        <p:nvPr/>
+      </p:nvGrpSpPr>
+      <p:grpSpPr>
+        <a:xfrm>
+          <a:off x="0" y="0"/>
+          <a:ext cx="0" cy="0"/>
+          <a:chOff x="0" y="0"/>
+          <a:chExt cx="0" cy="0"/>
+        </a:xfrm>
+      </p:grpSpPr>
+      <p:sp>
+        <p:nvSpPr>
+          <p:cNvPr id="2" name="Title 1"/>
+          <p:cNvSpPr>
+            <a:spLocks noGrp="1"/>
+          </p:cNvSpPr>
+          <p:nvPr>
+            <p:ph type="title"/>
+          </p:nvPr>
+        </p:nvSpPr>
+        <p:spPr/>
+        <p:txBody>
+          <a:bodyPr/>
+          <a:lstStyle/>
+          <a:p>
+            <a:r>
+              <a:rPr lang="en-US" dirty="0" smtClean="0"/>
+              <a:t>Conclusion</a:t>
+            </a:r>
+            <a:endParaRPr lang="en-US" dirty="0"/>
+          </a:p>
+        </p:txBody>
+      </p:sp>
+      <p:sp>
+        <p:nvSpPr>
+          <p:cNvPr id="3" name="Content Placeholder 2"/>
+          <p:cNvSpPr>
+            <a:spLocks noGrp="1"/>
+          </p:cNvSpPr>
+          <p:nvPr>
+            <p:ph idx="1"/>
+          </p:nvPr>
+        </p:nvSpPr>
+        <p:spPr/>
+        <p:txBody>
+          <a:bodyPr/>
+          <a:lstStyle/>
+          <a:p>
+            <a:r>
+              <a:rPr lang="en-US" dirty="0" smtClean="0"/>
+              <a:t>Thanks to all involved including:</a:t>
+            </a:r>
+          </a:p>
+          <a:p>
+            <a:pPr lvl="1"/>
+            <a:r>
+              <a:rPr lang="en-US" dirty="0" smtClean="0"/>
+              <a:t>NASA</a:t>
+            </a:r>
+          </a:p>
+          <a:p>
+            <a:pPr lvl="1"/>
+            <a:r>
+              <a:rPr lang="en-US" dirty="0" smtClean="0"/>
+              <a:t>NEOSA</a:t>
+            </a:r>
+          </a:p>
+          <a:p>
+            <a:pPr lvl="1"/>
+            <a:r>
+              <a:rPr lang="en-US" dirty="0" smtClean="0"/>
+              <a:t>Tri-C</a:t>
+            </a:r>
+          </a:p>
+        </p:txBody>
+      </p:sp>
+    </p:spTree>
+    <p:extLst>
+      <p:ext uri="{BB962C8B-B14F-4D97-AF65-F5344CB8AC3E}">
+        <p14:creationId xmlns:p14="http://schemas.microsoft.com/office/powerpoint/2010/main" val="1034629250"/>
+      </p:ext>
+    </p:extLst>
+  </p:cSld>
+  <p:clrMapOvr>
+    <a:overrideClrMapping bg1="lt1" tx1="dk1" bg2="lt2" tx2="dk2" accent1="accent1" accent2="accent2" accent3="accent3" accent4="accent4" accent5="accent5" accent6="accent6" hlink="hlink" folHlink="folHlink"/>
+  </p:clrMapOvr>
 </p:sld>
 </file>
 
@@ -9746,7 +11786,11 @@
           <a:p>
             <a:r>
               <a:rPr lang="en-US" dirty="0" smtClean="0"/>
-              <a:t>Provided a way to push this data to the masses by creating a twitter handle</a:t>
+              <a:t>Provided a way to push this data to the masses by creating a twitter </a:t>
+            </a:r>
+            <a:r>
+              <a:rPr lang="en-US" dirty="0" smtClean="0"/>
+              <a:t>account</a:t>
             </a:r>
             <a:endParaRPr lang="en-US" dirty="0"/>
           </a:p>
@@ -9837,7 +11881,7 @@
             <p:ph idx="1"/>
             <p:extLst>
               <p:ext uri="{D42A27DB-BD31-4B8C-83A1-F6EECF244321}">
-                <p14:modId xmlns:p14="http://schemas.microsoft.com/office/powerpoint/2010/main" val="3587436310"/>
+                <p14:modId xmlns:p14="http://schemas.microsoft.com/office/powerpoint/2010/main" val="1107863061"/>
               </p:ext>
             </p:extLst>
           </p:nvPr>
@@ -9970,8 +12014,27 @@
           <a:p>
             <a:r>
               <a:rPr lang="en-US" dirty="0" smtClean="0"/>
-              <a:t>Thorough Documentation and Examples</a:t>
-            </a:r>
+              <a:t>Thorough Documentation and </a:t>
+            </a:r>
+            <a:r>
+              <a:rPr lang="en-US" dirty="0" smtClean="0"/>
+              <a:t>Examples</a:t>
+            </a:r>
+          </a:p>
+          <a:p>
+            <a:r>
+              <a:rPr lang="en-US" dirty="0" smtClean="0"/>
+              <a:t>Currently have ~230k images </a:t>
+            </a:r>
+            <a:r>
+              <a:rPr lang="en-US" dirty="0" err="1" smtClean="0"/>
+              <a:t>geotagged</a:t>
+            </a:r>
+            <a:r>
+              <a:rPr lang="en-US" dirty="0" smtClean="0"/>
+              <a:t> in the database</a:t>
+            </a:r>
+            <a:endParaRPr lang="en-US" dirty="0" smtClean="0"/>
           </a:p>
         </p:txBody>
       </p:sp>
@@ -10775,7 +12838,738 @@
 </a:themeOverride>
 </file>
 
+<file path=ppt/theme/themeOverride11.xml><?xml version="1.0" encoding="utf-8"?>
+<a:themeOverride xmlns:a="http://schemas.openxmlformats.org/drawingml/2006/main">
+  <a:clrScheme name="Office">
+    <a:dk1>
+      <a:sysClr val="windowText" lastClr="000000"/>
+    </a:dk1>
+    <a:lt1>
+      <a:sysClr val="window" lastClr="FFFFFF"/>
+    </a:lt1>
+    <a:dk2>
+      <a:srgbClr val="1F497D"/>
+    </a:dk2>
+    <a:lt2>
+      <a:srgbClr val="EEECE1"/>
+    </a:lt2>
+    <a:accent1>
+      <a:srgbClr val="4F81BD"/>
+    </a:accent1>
+    <a:accent2>
+      <a:srgbClr val="C0504D"/>
+    </a:accent2>
+    <a:accent3>
+      <a:srgbClr val="9BBB59"/>
+    </a:accent3>
+    <a:accent4>
+      <a:srgbClr val="8064A2"/>
+    </a:accent4>
+    <a:accent5>
+      <a:srgbClr val="4BACC6"/>
+    </a:accent5>
+    <a:accent6>
+      <a:srgbClr val="F79646"/>
+    </a:accent6>
+    <a:hlink>
+      <a:srgbClr val="0000FF"/>
+    </a:hlink>
+    <a:folHlink>
+      <a:srgbClr val="800080"/>
+    </a:folHlink>
+  </a:clrScheme>
+</a:themeOverride>
+</file>
+
+<file path=ppt/theme/themeOverride12.xml><?xml version="1.0" encoding="utf-8"?>
+<a:themeOverride xmlns:a="http://schemas.openxmlformats.org/drawingml/2006/main">
+  <a:clrScheme name="Office">
+    <a:dk1>
+      <a:sysClr val="windowText" lastClr="000000"/>
+    </a:dk1>
+    <a:lt1>
+      <a:sysClr val="window" lastClr="FFFFFF"/>
+    </a:lt1>
+    <a:dk2>
+      <a:srgbClr val="1F497D"/>
+    </a:dk2>
+    <a:lt2>
+      <a:srgbClr val="EEECE1"/>
+    </a:lt2>
+    <a:accent1>
+      <a:srgbClr val="4F81BD"/>
+    </a:accent1>
+    <a:accent2>
+      <a:srgbClr val="C0504D"/>
+    </a:accent2>
+    <a:accent3>
+      <a:srgbClr val="9BBB59"/>
+    </a:accent3>
+    <a:accent4>
+      <a:srgbClr val="8064A2"/>
+    </a:accent4>
+    <a:accent5>
+      <a:srgbClr val="4BACC6"/>
+    </a:accent5>
+    <a:accent6>
+      <a:srgbClr val="F79646"/>
+    </a:accent6>
+    <a:hlink>
+      <a:srgbClr val="0000FF"/>
+    </a:hlink>
+    <a:folHlink>
+      <a:srgbClr val="800080"/>
+    </a:folHlink>
+  </a:clrScheme>
+</a:themeOverride>
+</file>
+
+<file path=ppt/theme/themeOverride13.xml><?xml version="1.0" encoding="utf-8"?>
+<a:themeOverride xmlns:a="http://schemas.openxmlformats.org/drawingml/2006/main">
+  <a:clrScheme name="Office">
+    <a:dk1>
+      <a:sysClr val="windowText" lastClr="000000"/>
+    </a:dk1>
+    <a:lt1>
+      <a:sysClr val="window" lastClr="FFFFFF"/>
+    </a:lt1>
+    <a:dk2>
+      <a:srgbClr val="1F497D"/>
+    </a:dk2>
+    <a:lt2>
+      <a:srgbClr val="EEECE1"/>
+    </a:lt2>
+    <a:accent1>
+      <a:srgbClr val="4F81BD"/>
+    </a:accent1>
+    <a:accent2>
+      <a:srgbClr val="C0504D"/>
+    </a:accent2>
+    <a:accent3>
+      <a:srgbClr val="9BBB59"/>
+    </a:accent3>
+    <a:accent4>
+      <a:srgbClr val="8064A2"/>
+    </a:accent4>
+    <a:accent5>
+      <a:srgbClr val="4BACC6"/>
+    </a:accent5>
+    <a:accent6>
+      <a:srgbClr val="F79646"/>
+    </a:accent6>
+    <a:hlink>
+      <a:srgbClr val="0000FF"/>
+    </a:hlink>
+    <a:folHlink>
+      <a:srgbClr val="800080"/>
+    </a:folHlink>
+  </a:clrScheme>
+</a:themeOverride>
+</file>
+
+<file path=ppt/theme/themeOverride14.xml><?xml version="1.0" encoding="utf-8"?>
+<a:themeOverride xmlns:a="http://schemas.openxmlformats.org/drawingml/2006/main">
+  <a:clrScheme name="Office">
+    <a:dk1>
+      <a:sysClr val="windowText" lastClr="000000"/>
+    </a:dk1>
+    <a:lt1>
+      <a:sysClr val="window" lastClr="FFFFFF"/>
+    </a:lt1>
+    <a:dk2>
+      <a:srgbClr val="1F497D"/>
+    </a:dk2>
+    <a:lt2>
+      <a:srgbClr val="EEECE1"/>
+    </a:lt2>
+    <a:accent1>
+      <a:srgbClr val="4F81BD"/>
+    </a:accent1>
+    <a:accent2>
+      <a:srgbClr val="C0504D"/>
+    </a:accent2>
+    <a:accent3>
+      <a:srgbClr val="9BBB59"/>
+    </a:accent3>
+    <a:accent4>
+      <a:srgbClr val="8064A2"/>
+    </a:accent4>
+    <a:accent5>
+      <a:srgbClr val="4BACC6"/>
+    </a:accent5>
+    <a:accent6>
+      <a:srgbClr val="F79646"/>
+    </a:accent6>
+    <a:hlink>
+      <a:srgbClr val="0000FF"/>
+    </a:hlink>
+    <a:folHlink>
+      <a:srgbClr val="800080"/>
+    </a:folHlink>
+  </a:clrScheme>
+</a:themeOverride>
+</file>
+
+<file path=ppt/theme/themeOverride15.xml><?xml version="1.0" encoding="utf-8"?>
+<a:themeOverride xmlns:a="http://schemas.openxmlformats.org/drawingml/2006/main">
+  <a:clrScheme name="Office">
+    <a:dk1>
+      <a:sysClr val="windowText" lastClr="000000"/>
+    </a:dk1>
+    <a:lt1>
+      <a:sysClr val="window" lastClr="FFFFFF"/>
+    </a:lt1>
+    <a:dk2>
+      <a:srgbClr val="1F497D"/>
+    </a:dk2>
+    <a:lt2>
+      <a:srgbClr val="EEECE1"/>
+    </a:lt2>
+    <a:accent1>
+      <a:srgbClr val="4F81BD"/>
+    </a:accent1>
+    <a:accent2>
+      <a:srgbClr val="C0504D"/>
+    </a:accent2>
+    <a:accent3>
+      <a:srgbClr val="9BBB59"/>
+    </a:accent3>
+    <a:accent4>
+      <a:srgbClr val="8064A2"/>
+    </a:accent4>
+    <a:accent5>
+      <a:srgbClr val="4BACC6"/>
+    </a:accent5>
+    <a:accent6>
+      <a:srgbClr val="F79646"/>
+    </a:accent6>
+    <a:hlink>
+      <a:srgbClr val="0000FF"/>
+    </a:hlink>
+    <a:folHlink>
+      <a:srgbClr val="800080"/>
+    </a:folHlink>
+  </a:clrScheme>
+</a:themeOverride>
+</file>
+
+<file path=ppt/theme/themeOverride16.xml><?xml version="1.0" encoding="utf-8"?>
+<a:themeOverride xmlns:a="http://schemas.openxmlformats.org/drawingml/2006/main">
+  <a:clrScheme name="Office">
+    <a:dk1>
+      <a:sysClr val="windowText" lastClr="000000"/>
+    </a:dk1>
+    <a:lt1>
+      <a:sysClr val="window" lastClr="FFFFFF"/>
+    </a:lt1>
+    <a:dk2>
+      <a:srgbClr val="1F497D"/>
+    </a:dk2>
+    <a:lt2>
+      <a:srgbClr val="EEECE1"/>
+    </a:lt2>
+    <a:accent1>
+      <a:srgbClr val="4F81BD"/>
+    </a:accent1>
+    <a:accent2>
+      <a:srgbClr val="C0504D"/>
+    </a:accent2>
+    <a:accent3>
+      <a:srgbClr val="9BBB59"/>
+    </a:accent3>
+    <a:accent4>
+      <a:srgbClr val="8064A2"/>
+    </a:accent4>
+    <a:accent5>
+      <a:srgbClr val="4BACC6"/>
+    </a:accent5>
+    <a:accent6>
+      <a:srgbClr val="F79646"/>
+    </a:accent6>
+    <a:hlink>
+      <a:srgbClr val="0000FF"/>
+    </a:hlink>
+    <a:folHlink>
+      <a:srgbClr val="800080"/>
+    </a:folHlink>
+  </a:clrScheme>
+</a:themeOverride>
+</file>
+
+<file path=ppt/theme/themeOverride17.xml><?xml version="1.0" encoding="utf-8"?>
+<a:themeOverride xmlns:a="http://schemas.openxmlformats.org/drawingml/2006/main">
+  <a:clrScheme name="Office">
+    <a:dk1>
+      <a:sysClr val="windowText" lastClr="000000"/>
+    </a:dk1>
+    <a:lt1>
+      <a:sysClr val="window" lastClr="FFFFFF"/>
+    </a:lt1>
+    <a:dk2>
+      <a:srgbClr val="1F497D"/>
+    </a:dk2>
+    <a:lt2>
+      <a:srgbClr val="EEECE1"/>
+    </a:lt2>
+    <a:accent1>
+      <a:srgbClr val="4F81BD"/>
+    </a:accent1>
+    <a:accent2>
+      <a:srgbClr val="C0504D"/>
+    </a:accent2>
+    <a:accent3>
+      <a:srgbClr val="9BBB59"/>
+    </a:accent3>
+    <a:accent4>
+      <a:srgbClr val="8064A2"/>
+    </a:accent4>
+    <a:accent5>
+      <a:srgbClr val="4BACC6"/>
+    </a:accent5>
+    <a:accent6>
+      <a:srgbClr val="F79646"/>
+    </a:accent6>
+    <a:hlink>
+      <a:srgbClr val="0000FF"/>
+    </a:hlink>
+    <a:folHlink>
+      <a:srgbClr val="800080"/>
+    </a:folHlink>
+  </a:clrScheme>
+</a:themeOverride>
+</file>
+
+<file path=ppt/theme/themeOverride18.xml><?xml version="1.0" encoding="utf-8"?>
+<a:themeOverride xmlns:a="http://schemas.openxmlformats.org/drawingml/2006/main">
+  <a:clrScheme name="Office">
+    <a:dk1>
+      <a:sysClr val="windowText" lastClr="000000"/>
+    </a:dk1>
+    <a:lt1>
+      <a:sysClr val="window" lastClr="FFFFFF"/>
+    </a:lt1>
+    <a:dk2>
+      <a:srgbClr val="1F497D"/>
+    </a:dk2>
+    <a:lt2>
+      <a:srgbClr val="EEECE1"/>
+    </a:lt2>
+    <a:accent1>
+      <a:srgbClr val="4F81BD"/>
+    </a:accent1>
+    <a:accent2>
+      <a:srgbClr val="C0504D"/>
+    </a:accent2>
+    <a:accent3>
+      <a:srgbClr val="9BBB59"/>
+    </a:accent3>
+    <a:accent4>
+      <a:srgbClr val="8064A2"/>
+    </a:accent4>
+    <a:accent5>
+      <a:srgbClr val="4BACC6"/>
+    </a:accent5>
+    <a:accent6>
+      <a:srgbClr val="F79646"/>
+    </a:accent6>
+    <a:hlink>
+      <a:srgbClr val="0000FF"/>
+    </a:hlink>
+    <a:folHlink>
+      <a:srgbClr val="800080"/>
+    </a:folHlink>
+  </a:clrScheme>
+</a:themeOverride>
+</file>
+
+<file path=ppt/theme/themeOverride19.xml><?xml version="1.0" encoding="utf-8"?>
+<a:themeOverride xmlns:a="http://schemas.openxmlformats.org/drawingml/2006/main">
+  <a:clrScheme name="Office">
+    <a:dk1>
+      <a:sysClr val="windowText" lastClr="000000"/>
+    </a:dk1>
+    <a:lt1>
+      <a:sysClr val="window" lastClr="FFFFFF"/>
+    </a:lt1>
+    <a:dk2>
+      <a:srgbClr val="1F497D"/>
+    </a:dk2>
+    <a:lt2>
+      <a:srgbClr val="EEECE1"/>
+    </a:lt2>
+    <a:accent1>
+      <a:srgbClr val="4F81BD"/>
+    </a:accent1>
+    <a:accent2>
+      <a:srgbClr val="C0504D"/>
+    </a:accent2>
+    <a:accent3>
+      <a:srgbClr val="9BBB59"/>
+    </a:accent3>
+    <a:accent4>
+      <a:srgbClr val="8064A2"/>
+    </a:accent4>
+    <a:accent5>
+      <a:srgbClr val="4BACC6"/>
+    </a:accent5>
+    <a:accent6>
+      <a:srgbClr val="F79646"/>
+    </a:accent6>
+    <a:hlink>
+      <a:srgbClr val="0000FF"/>
+    </a:hlink>
+    <a:folHlink>
+      <a:srgbClr val="800080"/>
+    </a:folHlink>
+  </a:clrScheme>
+</a:themeOverride>
+</file>
+
 <file path=ppt/theme/themeOverride2.xml><?xml version="1.0" encoding="utf-8"?>
+<a:themeOverride xmlns:a="http://schemas.openxmlformats.org/drawingml/2006/main">
+  <a:clrScheme name="Office">
+    <a:dk1>
+      <a:sysClr val="windowText" lastClr="000000"/>
+    </a:dk1>
+    <a:lt1>
+      <a:sysClr val="window" lastClr="FFFFFF"/>
+    </a:lt1>
+    <a:dk2>
+      <a:srgbClr val="1F497D"/>
+    </a:dk2>
+    <a:lt2>
+      <a:srgbClr val="EEECE1"/>
+    </a:lt2>
+    <a:accent1>
+      <a:srgbClr val="4F81BD"/>
+    </a:accent1>
+    <a:accent2>
+      <a:srgbClr val="C0504D"/>
+    </a:accent2>
+    <a:accent3>
+      <a:srgbClr val="9BBB59"/>
+    </a:accent3>
+    <a:accent4>
+      <a:srgbClr val="8064A2"/>
+    </a:accent4>
+    <a:accent5>
+      <a:srgbClr val="4BACC6"/>
+    </a:accent5>
+    <a:accent6>
+      <a:srgbClr val="F79646"/>
+    </a:accent6>
+    <a:hlink>
+      <a:srgbClr val="0000FF"/>
+    </a:hlink>
+    <a:folHlink>
+      <a:srgbClr val="800080"/>
+    </a:folHlink>
+  </a:clrScheme>
+</a:themeOverride>
+</file>
+
+<file path=ppt/theme/themeOverride20.xml><?xml version="1.0" encoding="utf-8"?>
+<a:themeOverride xmlns:a="http://schemas.openxmlformats.org/drawingml/2006/main">
+  <a:clrScheme name="Office">
+    <a:dk1>
+      <a:sysClr val="windowText" lastClr="000000"/>
+    </a:dk1>
+    <a:lt1>
+      <a:sysClr val="window" lastClr="FFFFFF"/>
+    </a:lt1>
+    <a:dk2>
+      <a:srgbClr val="1F497D"/>
+    </a:dk2>
+    <a:lt2>
+      <a:srgbClr val="EEECE1"/>
+    </a:lt2>
+    <a:accent1>
+      <a:srgbClr val="4F81BD"/>
+    </a:accent1>
+    <a:accent2>
+      <a:srgbClr val="C0504D"/>
+    </a:accent2>
+    <a:accent3>
+      <a:srgbClr val="9BBB59"/>
+    </a:accent3>
+    <a:accent4>
+      <a:srgbClr val="8064A2"/>
+    </a:accent4>
+    <a:accent5>
+      <a:srgbClr val="4BACC6"/>
+    </a:accent5>
+    <a:accent6>
+      <a:srgbClr val="F79646"/>
+    </a:accent6>
+    <a:hlink>
+      <a:srgbClr val="0000FF"/>
+    </a:hlink>
+    <a:folHlink>
+      <a:srgbClr val="800080"/>
+    </a:folHlink>
+  </a:clrScheme>
+</a:themeOverride>
+</file>
+
+<file path=ppt/theme/themeOverride21.xml><?xml version="1.0" encoding="utf-8"?>
+<a:themeOverride xmlns:a="http://schemas.openxmlformats.org/drawingml/2006/main">
+  <a:clrScheme name="Office">
+    <a:dk1>
+      <a:sysClr val="windowText" lastClr="000000"/>
+    </a:dk1>
+    <a:lt1>
+      <a:sysClr val="window" lastClr="FFFFFF"/>
+    </a:lt1>
+    <a:dk2>
+      <a:srgbClr val="1F497D"/>
+    </a:dk2>
+    <a:lt2>
+      <a:srgbClr val="EEECE1"/>
+    </a:lt2>
+    <a:accent1>
+      <a:srgbClr val="4F81BD"/>
+    </a:accent1>
+    <a:accent2>
+      <a:srgbClr val="C0504D"/>
+    </a:accent2>
+    <a:accent3>
+      <a:srgbClr val="9BBB59"/>
+    </a:accent3>
+    <a:accent4>
+      <a:srgbClr val="8064A2"/>
+    </a:accent4>
+    <a:accent5>
+      <a:srgbClr val="4BACC6"/>
+    </a:accent5>
+    <a:accent6>
+      <a:srgbClr val="F79646"/>
+    </a:accent6>
+    <a:hlink>
+      <a:srgbClr val="0000FF"/>
+    </a:hlink>
+    <a:folHlink>
+      <a:srgbClr val="800080"/>
+    </a:folHlink>
+  </a:clrScheme>
+</a:themeOverride>
+</file>
+
+<file path=ppt/theme/themeOverride22.xml><?xml version="1.0" encoding="utf-8"?>
+<a:themeOverride xmlns:a="http://schemas.openxmlformats.org/drawingml/2006/main">
+  <a:clrScheme name="Office">
+    <a:dk1>
+      <a:sysClr val="windowText" lastClr="000000"/>
+    </a:dk1>
+    <a:lt1>
+      <a:sysClr val="window" lastClr="FFFFFF"/>
+    </a:lt1>
+    <a:dk2>
+      <a:srgbClr val="1F497D"/>
+    </a:dk2>
+    <a:lt2>
+      <a:srgbClr val="EEECE1"/>
+    </a:lt2>
+    <a:accent1>
+      <a:srgbClr val="4F81BD"/>
+    </a:accent1>
+    <a:accent2>
+      <a:srgbClr val="C0504D"/>
+    </a:accent2>
+    <a:accent3>
+      <a:srgbClr val="9BBB59"/>
+    </a:accent3>
+    <a:accent4>
+      <a:srgbClr val="8064A2"/>
+    </a:accent4>
+    <a:accent5>
+      <a:srgbClr val="4BACC6"/>
+    </a:accent5>
+    <a:accent6>
+      <a:srgbClr val="F79646"/>
+    </a:accent6>
+    <a:hlink>
+      <a:srgbClr val="0000FF"/>
+    </a:hlink>
+    <a:folHlink>
+      <a:srgbClr val="800080"/>
+    </a:folHlink>
+  </a:clrScheme>
+</a:themeOverride>
+</file>
+
+<file path=ppt/theme/themeOverride23.xml><?xml version="1.0" encoding="utf-8"?>
+<a:themeOverride xmlns:a="http://schemas.openxmlformats.org/drawingml/2006/main">
+  <a:clrScheme name="Office">
+    <a:dk1>
+      <a:sysClr val="windowText" lastClr="000000"/>
+    </a:dk1>
+    <a:lt1>
+      <a:sysClr val="window" lastClr="FFFFFF"/>
+    </a:lt1>
+    <a:dk2>
+      <a:srgbClr val="1F497D"/>
+    </a:dk2>
+    <a:lt2>
+      <a:srgbClr val="EEECE1"/>
+    </a:lt2>
+    <a:accent1>
+      <a:srgbClr val="4F81BD"/>
+    </a:accent1>
+    <a:accent2>
+      <a:srgbClr val="C0504D"/>
+    </a:accent2>
+    <a:accent3>
+      <a:srgbClr val="9BBB59"/>
+    </a:accent3>
+    <a:accent4>
+      <a:srgbClr val="8064A2"/>
+    </a:accent4>
+    <a:accent5>
+      <a:srgbClr val="4BACC6"/>
+    </a:accent5>
+    <a:accent6>
+      <a:srgbClr val="F79646"/>
+    </a:accent6>
+    <a:hlink>
+      <a:srgbClr val="0000FF"/>
+    </a:hlink>
+    <a:folHlink>
+      <a:srgbClr val="800080"/>
+    </a:folHlink>
+  </a:clrScheme>
+</a:themeOverride>
+</file>
+
+<file path=ppt/theme/themeOverride24.xml><?xml version="1.0" encoding="utf-8"?>
+<a:themeOverride xmlns:a="http://schemas.openxmlformats.org/drawingml/2006/main">
+  <a:clrScheme name="Office">
+    <a:dk1>
+      <a:sysClr val="windowText" lastClr="000000"/>
+    </a:dk1>
+    <a:lt1>
+      <a:sysClr val="window" lastClr="FFFFFF"/>
+    </a:lt1>
+    <a:dk2>
+      <a:srgbClr val="1F497D"/>
+    </a:dk2>
+    <a:lt2>
+      <a:srgbClr val="EEECE1"/>
+    </a:lt2>
+    <a:accent1>
+      <a:srgbClr val="4F81BD"/>
+    </a:accent1>
+    <a:accent2>
+      <a:srgbClr val="C0504D"/>
+    </a:accent2>
+    <a:accent3>
+      <a:srgbClr val="9BBB59"/>
+    </a:accent3>
+    <a:accent4>
+      <a:srgbClr val="8064A2"/>
+    </a:accent4>
+    <a:accent5>
+      <a:srgbClr val="4BACC6"/>
+    </a:accent5>
+    <a:accent6>
+      <a:srgbClr val="F79646"/>
+    </a:accent6>
+    <a:hlink>
+      <a:srgbClr val="0000FF"/>
+    </a:hlink>
+    <a:folHlink>
+      <a:srgbClr val="800080"/>
+    </a:folHlink>
+  </a:clrScheme>
+</a:themeOverride>
+</file>
+
+<file path=ppt/theme/themeOverride25.xml><?xml version="1.0" encoding="utf-8"?>
+<a:themeOverride xmlns:a="http://schemas.openxmlformats.org/drawingml/2006/main">
+  <a:clrScheme name="Office">
+    <a:dk1>
+      <a:sysClr val="windowText" lastClr="000000"/>
+    </a:dk1>
+    <a:lt1>
+      <a:sysClr val="window" lastClr="FFFFFF"/>
+    </a:lt1>
+    <a:dk2>
+      <a:srgbClr val="1F497D"/>
+    </a:dk2>
+    <a:lt2>
+      <a:srgbClr val="EEECE1"/>
+    </a:lt2>
+    <a:accent1>
+      <a:srgbClr val="4F81BD"/>
+    </a:accent1>
+    <a:accent2>
+      <a:srgbClr val="C0504D"/>
+    </a:accent2>
+    <a:accent3>
+      <a:srgbClr val="9BBB59"/>
+    </a:accent3>
+    <a:accent4>
+      <a:srgbClr val="8064A2"/>
+    </a:accent4>
+    <a:accent5>
+      <a:srgbClr val="4BACC6"/>
+    </a:accent5>
+    <a:accent6>
+      <a:srgbClr val="F79646"/>
+    </a:accent6>
+    <a:hlink>
+      <a:srgbClr val="0000FF"/>
+    </a:hlink>
+    <a:folHlink>
+      <a:srgbClr val="800080"/>
+    </a:folHlink>
+  </a:clrScheme>
+</a:themeOverride>
+</file>
+
+<file path=ppt/theme/themeOverride26.xml><?xml version="1.0" encoding="utf-8"?>
+<a:themeOverride xmlns:a="http://schemas.openxmlformats.org/drawingml/2006/main">
+  <a:clrScheme name="Office">
+    <a:dk1>
+      <a:sysClr val="windowText" lastClr="000000"/>
+    </a:dk1>
+    <a:lt1>
+      <a:sysClr val="window" lastClr="FFFFFF"/>
+    </a:lt1>
+    <a:dk2>
+      <a:srgbClr val="1F497D"/>
+    </a:dk2>
+    <a:lt2>
+      <a:srgbClr val="EEECE1"/>
+    </a:lt2>
+    <a:accent1>
+      <a:srgbClr val="4F81BD"/>
+    </a:accent1>
+    <a:accent2>
+      <a:srgbClr val="C0504D"/>
+    </a:accent2>
+    <a:accent3>
+      <a:srgbClr val="9BBB59"/>
+    </a:accent3>
+    <a:accent4>
+      <a:srgbClr val="8064A2"/>
+    </a:accent4>
+    <a:accent5>
+      <a:srgbClr val="4BACC6"/>
+    </a:accent5>
+    <a:accent6>
+      <a:srgbClr val="F79646"/>
+    </a:accent6>
+    <a:hlink>
+      <a:srgbClr val="0000FF"/>
+    </a:hlink>
+    <a:folHlink>
+      <a:srgbClr val="800080"/>
+    </a:folHlink>
+  </a:clrScheme>
+</a:themeOverride>
+</file>
+
+<file path=ppt/theme/themeOverride27.xml><?xml version="1.0" encoding="utf-8"?>
 <a:themeOverride xmlns:a="http://schemas.openxmlformats.org/drawingml/2006/main">
   <a:clrScheme name="Office">
     <a:dk1>
